--- a/Use Case Presentation/Use Case Presentation.pptx
+++ b/Use Case Presentation/Use Case Presentation.pptx
@@ -4,6 +4,9 @@
   <p:sldMasterIdLst>
     <p:sldMasterId id="2147483648" r:id="rId1"/>
   </p:sldMasterIdLst>
+  <p:notesMasterIdLst>
+    <p:notesMasterId r:id="rId18"/>
+  </p:notesMasterIdLst>
   <p:sldIdLst>
     <p:sldId id="256" r:id="rId2"/>
     <p:sldId id="259" r:id="rId3"/>
@@ -119,7 +122,365 @@
       </a:defRPr>
     </a:lvl9pPr>
   </p:defaultTextStyle>
+  <p:extLst>
+    <p:ext uri="{EFAFB233-063F-42B5-8137-9DF3F51BA10A}">
+      <p15:sldGuideLst xmlns:p15="http://schemas.microsoft.com/office/powerpoint/2012/main"/>
+    </p:ext>
+  </p:extLst>
 </p:presentation>
+</file>
+
+<file path=ppt/revisionInfo.xml><?xml version="1.0" encoding="utf-8"?>
+<p1510:revInfo xmlns:a="http://schemas.openxmlformats.org/drawingml/2006/main" xmlns:r="http://schemas.openxmlformats.org/officeDocument/2006/relationships" xmlns:p1510="http://schemas.microsoft.com/office/powerpoint/2015/10/main"/>
+</file>
+
+<file path=ppt/notesMasters/notesMaster1.xml><?xml version="1.0" encoding="utf-8"?>
+<p:notesMaster xmlns:a="http://schemas.openxmlformats.org/drawingml/2006/main" xmlns:r="http://schemas.openxmlformats.org/officeDocument/2006/relationships" xmlns:p="http://schemas.openxmlformats.org/presentationml/2006/main">
+  <p:cSld>
+    <p:bg>
+      <p:bgRef idx="1001">
+        <a:schemeClr val="bg1"/>
+      </p:bgRef>
+    </p:bg>
+    <p:spTree>
+      <p:nvGrpSpPr>
+        <p:cNvPr id="1" name=""/>
+        <p:cNvGrpSpPr/>
+        <p:nvPr/>
+      </p:nvGrpSpPr>
+      <p:grpSpPr>
+        <a:xfrm>
+          <a:off x="0" y="0"/>
+          <a:ext cx="0" cy="0"/>
+          <a:chOff x="0" y="0"/>
+          <a:chExt cx="0" cy="0"/>
+        </a:xfrm>
+      </p:grpSpPr>
+      <p:sp>
+        <p:nvSpPr>
+          <p:cNvPr id="2" name="Header Placeholder 1"/>
+          <p:cNvSpPr>
+            <a:spLocks noGrp="1"/>
+          </p:cNvSpPr>
+          <p:nvPr>
+            <p:ph type="hdr" sz="quarter"/>
+          </p:nvPr>
+        </p:nvSpPr>
+        <p:spPr>
+          <a:xfrm>
+            <a:off x="0" y="0"/>
+            <a:ext cx="2971800" cy="458788"/>
+          </a:xfrm>
+          <a:prstGeom prst="rect">
+            <a:avLst/>
+          </a:prstGeom>
+        </p:spPr>
+        <p:txBody>
+          <a:bodyPr vert="horz" lIns="91440" tIns="45720" rIns="91440" bIns="45720" rtlCol="0"/>
+          <a:lstStyle>
+            <a:lvl1pPr algn="l">
+              <a:defRPr sz="1200"/>
+            </a:lvl1pPr>
+          </a:lstStyle>
+          <a:p>
+            <a:endParaRPr lang="en-US"/>
+          </a:p>
+        </p:txBody>
+      </p:sp>
+      <p:sp>
+        <p:nvSpPr>
+          <p:cNvPr id="3" name="Date Placeholder 2"/>
+          <p:cNvSpPr>
+            <a:spLocks noGrp="1"/>
+          </p:cNvSpPr>
+          <p:nvPr>
+            <p:ph type="dt" idx="1"/>
+          </p:nvPr>
+        </p:nvSpPr>
+        <p:spPr>
+          <a:xfrm>
+            <a:off x="3884613" y="0"/>
+            <a:ext cx="2971800" cy="458788"/>
+          </a:xfrm>
+          <a:prstGeom prst="rect">
+            <a:avLst/>
+          </a:prstGeom>
+        </p:spPr>
+        <p:txBody>
+          <a:bodyPr vert="horz" lIns="91440" tIns="45720" rIns="91440" bIns="45720" rtlCol="0"/>
+          <a:lstStyle>
+            <a:lvl1pPr algn="r">
+              <a:defRPr sz="1200"/>
+            </a:lvl1pPr>
+          </a:lstStyle>
+          <a:p>
+            <a:fld id="{8024E5A3-06AE-4FF1-9147-9FC06A8821DA}" type="datetimeFigureOut">
+              <a:rPr lang="en-US" smtClean="0"/>
+              <a:t>7/11/2017</a:t>
+            </a:fld>
+            <a:endParaRPr lang="en-US"/>
+          </a:p>
+        </p:txBody>
+      </p:sp>
+      <p:sp>
+        <p:nvSpPr>
+          <p:cNvPr id="4" name="Slide Image Placeholder 3"/>
+          <p:cNvSpPr>
+            <a:spLocks noGrp="1" noRot="1" noChangeAspect="1"/>
+          </p:cNvSpPr>
+          <p:nvPr>
+            <p:ph type="sldImg" idx="2"/>
+          </p:nvPr>
+        </p:nvSpPr>
+        <p:spPr>
+          <a:xfrm>
+            <a:off x="685800" y="1143000"/>
+            <a:ext cx="5486400" cy="3086100"/>
+          </a:xfrm>
+          <a:prstGeom prst="rect">
+            <a:avLst/>
+          </a:prstGeom>
+          <a:noFill/>
+          <a:ln w="12700">
+            <a:solidFill>
+              <a:prstClr val="black"/>
+            </a:solidFill>
+          </a:ln>
+        </p:spPr>
+        <p:txBody>
+          <a:bodyPr vert="horz" lIns="91440" tIns="45720" rIns="91440" bIns="45720" rtlCol="0" anchor="ctr"/>
+          <a:lstStyle/>
+          <a:p>
+            <a:endParaRPr lang="en-US"/>
+          </a:p>
+        </p:txBody>
+      </p:sp>
+      <p:sp>
+        <p:nvSpPr>
+          <p:cNvPr id="5" name="Notes Placeholder 4"/>
+          <p:cNvSpPr>
+            <a:spLocks noGrp="1"/>
+          </p:cNvSpPr>
+          <p:nvPr>
+            <p:ph type="body" sz="quarter" idx="3"/>
+          </p:nvPr>
+        </p:nvSpPr>
+        <p:spPr>
+          <a:xfrm>
+            <a:off x="685800" y="4400550"/>
+            <a:ext cx="5486400" cy="3600450"/>
+          </a:xfrm>
+          <a:prstGeom prst="rect">
+            <a:avLst/>
+          </a:prstGeom>
+        </p:spPr>
+        <p:txBody>
+          <a:bodyPr vert="horz" lIns="91440" tIns="45720" rIns="91440" bIns="45720" rtlCol="0"/>
+          <a:lstStyle/>
+          <a:p>
+            <a:pPr lvl="0"/>
+            <a:r>
+              <a:rPr lang="en-US"/>
+              <a:t>Edit Master text styles</a:t>
+            </a:r>
+          </a:p>
+          <a:p>
+            <a:pPr lvl="1"/>
+            <a:r>
+              <a:rPr lang="en-US"/>
+              <a:t>Second level</a:t>
+            </a:r>
+          </a:p>
+          <a:p>
+            <a:pPr lvl="2"/>
+            <a:r>
+              <a:rPr lang="en-US"/>
+              <a:t>Third level</a:t>
+            </a:r>
+          </a:p>
+          <a:p>
+            <a:pPr lvl="3"/>
+            <a:r>
+              <a:rPr lang="en-US"/>
+              <a:t>Fourth level</a:t>
+            </a:r>
+          </a:p>
+          <a:p>
+            <a:pPr lvl="4"/>
+            <a:r>
+              <a:rPr lang="en-US"/>
+              <a:t>Fifth level</a:t>
+            </a:r>
+          </a:p>
+        </p:txBody>
+      </p:sp>
+      <p:sp>
+        <p:nvSpPr>
+          <p:cNvPr id="6" name="Footer Placeholder 5"/>
+          <p:cNvSpPr>
+            <a:spLocks noGrp="1"/>
+          </p:cNvSpPr>
+          <p:nvPr>
+            <p:ph type="ftr" sz="quarter" idx="4"/>
+          </p:nvPr>
+        </p:nvSpPr>
+        <p:spPr>
+          <a:xfrm>
+            <a:off x="0" y="8685213"/>
+            <a:ext cx="2971800" cy="458787"/>
+          </a:xfrm>
+          <a:prstGeom prst="rect">
+            <a:avLst/>
+          </a:prstGeom>
+        </p:spPr>
+        <p:txBody>
+          <a:bodyPr vert="horz" lIns="91440" tIns="45720" rIns="91440" bIns="45720" rtlCol="0" anchor="b"/>
+          <a:lstStyle>
+            <a:lvl1pPr algn="l">
+              <a:defRPr sz="1200"/>
+            </a:lvl1pPr>
+          </a:lstStyle>
+          <a:p>
+            <a:endParaRPr lang="en-US"/>
+          </a:p>
+        </p:txBody>
+      </p:sp>
+      <p:sp>
+        <p:nvSpPr>
+          <p:cNvPr id="7" name="Slide Number Placeholder 6"/>
+          <p:cNvSpPr>
+            <a:spLocks noGrp="1"/>
+          </p:cNvSpPr>
+          <p:nvPr>
+            <p:ph type="sldNum" sz="quarter" idx="5"/>
+          </p:nvPr>
+        </p:nvSpPr>
+        <p:spPr>
+          <a:xfrm>
+            <a:off x="3884613" y="8685213"/>
+            <a:ext cx="2971800" cy="458787"/>
+          </a:xfrm>
+          <a:prstGeom prst="rect">
+            <a:avLst/>
+          </a:prstGeom>
+        </p:spPr>
+        <p:txBody>
+          <a:bodyPr vert="horz" lIns="91440" tIns="45720" rIns="91440" bIns="45720" rtlCol="0" anchor="b"/>
+          <a:lstStyle>
+            <a:lvl1pPr algn="r">
+              <a:defRPr sz="1200"/>
+            </a:lvl1pPr>
+          </a:lstStyle>
+          <a:p>
+            <a:fld id="{9CA0FC51-9C32-4862-BD20-2AFD32F77DFC}" type="slidenum">
+              <a:rPr lang="en-US" smtClean="0"/>
+              <a:t>‹#›</a:t>
+            </a:fld>
+            <a:endParaRPr lang="en-US"/>
+          </a:p>
+        </p:txBody>
+      </p:sp>
+    </p:spTree>
+    <p:extLst>
+      <p:ext uri="{BB962C8B-B14F-4D97-AF65-F5344CB8AC3E}">
+        <p14:creationId xmlns:p14="http://schemas.microsoft.com/office/powerpoint/2010/main" val="4279698968"/>
+      </p:ext>
+    </p:extLst>
+  </p:cSld>
+  <p:clrMap bg1="lt1" tx1="dk1" bg2="lt2" tx2="dk2" accent1="accent1" accent2="accent2" accent3="accent3" accent4="accent4" accent5="accent5" accent6="accent6" hlink="hlink" folHlink="folHlink"/>
+  <p:notesStyle>
+    <a:lvl1pPr marL="0" algn="l" defTabSz="914400" rtl="0" eaLnBrk="1" latinLnBrk="0" hangingPunct="1">
+      <a:defRPr sz="1200" kern="1200">
+        <a:solidFill>
+          <a:schemeClr val="tx1"/>
+        </a:solidFill>
+        <a:latin typeface="+mn-lt"/>
+        <a:ea typeface="+mn-ea"/>
+        <a:cs typeface="+mn-cs"/>
+      </a:defRPr>
+    </a:lvl1pPr>
+    <a:lvl2pPr marL="457200" algn="l" defTabSz="914400" rtl="0" eaLnBrk="1" latinLnBrk="0" hangingPunct="1">
+      <a:defRPr sz="1200" kern="1200">
+        <a:solidFill>
+          <a:schemeClr val="tx1"/>
+        </a:solidFill>
+        <a:latin typeface="+mn-lt"/>
+        <a:ea typeface="+mn-ea"/>
+        <a:cs typeface="+mn-cs"/>
+      </a:defRPr>
+    </a:lvl2pPr>
+    <a:lvl3pPr marL="914400" algn="l" defTabSz="914400" rtl="0" eaLnBrk="1" latinLnBrk="0" hangingPunct="1">
+      <a:defRPr sz="1200" kern="1200">
+        <a:solidFill>
+          <a:schemeClr val="tx1"/>
+        </a:solidFill>
+        <a:latin typeface="+mn-lt"/>
+        <a:ea typeface="+mn-ea"/>
+        <a:cs typeface="+mn-cs"/>
+      </a:defRPr>
+    </a:lvl3pPr>
+    <a:lvl4pPr marL="1371600" algn="l" defTabSz="914400" rtl="0" eaLnBrk="1" latinLnBrk="0" hangingPunct="1">
+      <a:defRPr sz="1200" kern="1200">
+        <a:solidFill>
+          <a:schemeClr val="tx1"/>
+        </a:solidFill>
+        <a:latin typeface="+mn-lt"/>
+        <a:ea typeface="+mn-ea"/>
+        <a:cs typeface="+mn-cs"/>
+      </a:defRPr>
+    </a:lvl4pPr>
+    <a:lvl5pPr marL="1828800" algn="l" defTabSz="914400" rtl="0" eaLnBrk="1" latinLnBrk="0" hangingPunct="1">
+      <a:defRPr sz="1200" kern="1200">
+        <a:solidFill>
+          <a:schemeClr val="tx1"/>
+        </a:solidFill>
+        <a:latin typeface="+mn-lt"/>
+        <a:ea typeface="+mn-ea"/>
+        <a:cs typeface="+mn-cs"/>
+      </a:defRPr>
+    </a:lvl5pPr>
+    <a:lvl6pPr marL="2286000" algn="l" defTabSz="914400" rtl="0" eaLnBrk="1" latinLnBrk="0" hangingPunct="1">
+      <a:defRPr sz="1200" kern="1200">
+        <a:solidFill>
+          <a:schemeClr val="tx1"/>
+        </a:solidFill>
+        <a:latin typeface="+mn-lt"/>
+        <a:ea typeface="+mn-ea"/>
+        <a:cs typeface="+mn-cs"/>
+      </a:defRPr>
+    </a:lvl6pPr>
+    <a:lvl7pPr marL="2743200" algn="l" defTabSz="914400" rtl="0" eaLnBrk="1" latinLnBrk="0" hangingPunct="1">
+      <a:defRPr sz="1200" kern="1200">
+        <a:solidFill>
+          <a:schemeClr val="tx1"/>
+        </a:solidFill>
+        <a:latin typeface="+mn-lt"/>
+        <a:ea typeface="+mn-ea"/>
+        <a:cs typeface="+mn-cs"/>
+      </a:defRPr>
+    </a:lvl7pPr>
+    <a:lvl8pPr marL="3200400" algn="l" defTabSz="914400" rtl="0" eaLnBrk="1" latinLnBrk="0" hangingPunct="1">
+      <a:defRPr sz="1200" kern="1200">
+        <a:solidFill>
+          <a:schemeClr val="tx1"/>
+        </a:solidFill>
+        <a:latin typeface="+mn-lt"/>
+        <a:ea typeface="+mn-ea"/>
+        <a:cs typeface="+mn-cs"/>
+      </a:defRPr>
+    </a:lvl8pPr>
+    <a:lvl9pPr marL="3657600" algn="l" defTabSz="914400" rtl="0" eaLnBrk="1" latinLnBrk="0" hangingPunct="1">
+      <a:defRPr sz="1200" kern="1200">
+        <a:solidFill>
+          <a:schemeClr val="tx1"/>
+        </a:solidFill>
+        <a:latin typeface="+mn-lt"/>
+        <a:ea typeface="+mn-ea"/>
+        <a:cs typeface="+mn-cs"/>
+      </a:defRPr>
+    </a:lvl9pPr>
+  </p:notesStyle>
+</p:notesMaster>
 </file>
 
 <file path=ppt/slideLayouts/slideLayout1.xml><?xml version="1.0" encoding="utf-8"?>
@@ -267,7 +628,7 @@
           <a:bodyPr/>
           <a:lstStyle/>
           <a:p>
-            <a:fld id="{E247D2D3-AFE7-4B4F-B1AE-B7359ADD5D97}" type="datetimeFigureOut">
+            <a:fld id="{A82868EA-1B8C-4465-BEE7-ECC572A88049}" type="datetime1">
               <a:rPr lang="en-US" smtClean="0"/>
               <a:t>7/11/2017</a:t>
             </a:fld>
@@ -465,7 +826,7 @@
           <a:bodyPr/>
           <a:lstStyle/>
           <a:p>
-            <a:fld id="{E247D2D3-AFE7-4B4F-B1AE-B7359ADD5D97}" type="datetimeFigureOut">
+            <a:fld id="{C3F4F9D6-085A-4FC2-A43E-57F47435B52B}" type="datetime1">
               <a:rPr lang="en-US" smtClean="0"/>
               <a:t>7/11/2017</a:t>
             </a:fld>
@@ -673,7 +1034,7 @@
           <a:bodyPr/>
           <a:lstStyle/>
           <a:p>
-            <a:fld id="{E247D2D3-AFE7-4B4F-B1AE-B7359ADD5D97}" type="datetimeFigureOut">
+            <a:fld id="{9C5F4D48-8587-4378-83AE-42D6573A6216}" type="datetime1">
               <a:rPr lang="en-US" smtClean="0"/>
               <a:t>7/11/2017</a:t>
             </a:fld>
@@ -871,7 +1232,7 @@
           <a:bodyPr/>
           <a:lstStyle/>
           <a:p>
-            <a:fld id="{E247D2D3-AFE7-4B4F-B1AE-B7359ADD5D97}" type="datetimeFigureOut">
+            <a:fld id="{0493404B-1A05-4EEC-AE7B-303B3E6A9D61}" type="datetime1">
               <a:rPr lang="en-US" smtClean="0"/>
               <a:t>7/11/2017</a:t>
             </a:fld>
@@ -1146,7 +1507,7 @@
           <a:bodyPr/>
           <a:lstStyle/>
           <a:p>
-            <a:fld id="{E247D2D3-AFE7-4B4F-B1AE-B7359ADD5D97}" type="datetimeFigureOut">
+            <a:fld id="{22EE3C49-A0E0-4847-8AB1-4270B24860FA}" type="datetime1">
               <a:rPr lang="en-US" smtClean="0"/>
               <a:t>7/11/2017</a:t>
             </a:fld>
@@ -1411,7 +1772,7 @@
           <a:bodyPr/>
           <a:lstStyle/>
           <a:p>
-            <a:fld id="{E247D2D3-AFE7-4B4F-B1AE-B7359ADD5D97}" type="datetimeFigureOut">
+            <a:fld id="{6434D8C8-37FB-4339-B66C-018634A4E4A0}" type="datetime1">
               <a:rPr lang="en-US" smtClean="0"/>
               <a:t>7/11/2017</a:t>
             </a:fld>
@@ -1823,7 +2184,7 @@
           <a:bodyPr/>
           <a:lstStyle/>
           <a:p>
-            <a:fld id="{E247D2D3-AFE7-4B4F-B1AE-B7359ADD5D97}" type="datetimeFigureOut">
+            <a:fld id="{14FB81FD-74F8-405D-9180-721DE0E2F9FE}" type="datetime1">
               <a:rPr lang="en-US" smtClean="0"/>
               <a:t>7/11/2017</a:t>
             </a:fld>
@@ -1964,7 +2325,7 @@
           <a:bodyPr/>
           <a:lstStyle/>
           <a:p>
-            <a:fld id="{E247D2D3-AFE7-4B4F-B1AE-B7359ADD5D97}" type="datetimeFigureOut">
+            <a:fld id="{810116D8-1C43-4535-BAFE-A496AF659EA9}" type="datetime1">
               <a:rPr lang="en-US" smtClean="0"/>
               <a:t>7/11/2017</a:t>
             </a:fld>
@@ -2077,7 +2438,7 @@
           <a:bodyPr/>
           <a:lstStyle/>
           <a:p>
-            <a:fld id="{E247D2D3-AFE7-4B4F-B1AE-B7359ADD5D97}" type="datetimeFigureOut">
+            <a:fld id="{0BE7B1BB-C8C9-4653-A25C-186557CF4DE3}" type="datetime1">
               <a:rPr lang="en-US" smtClean="0"/>
               <a:t>7/11/2017</a:t>
             </a:fld>
@@ -2388,7 +2749,7 @@
           <a:bodyPr/>
           <a:lstStyle/>
           <a:p>
-            <a:fld id="{E247D2D3-AFE7-4B4F-B1AE-B7359ADD5D97}" type="datetimeFigureOut">
+            <a:fld id="{0FBCD2EB-A412-48BB-A04F-C894BC6E0457}" type="datetime1">
               <a:rPr lang="en-US" smtClean="0"/>
               <a:t>7/11/2017</a:t>
             </a:fld>
@@ -2676,7 +3037,7 @@
           <a:bodyPr/>
           <a:lstStyle/>
           <a:p>
-            <a:fld id="{E247D2D3-AFE7-4B4F-B1AE-B7359ADD5D97}" type="datetimeFigureOut">
+            <a:fld id="{3E1659D2-4A4A-424B-A784-77D9B21E6847}" type="datetime1">
               <a:rPr lang="en-US" smtClean="0"/>
               <a:t>7/11/2017</a:t>
             </a:fld>
@@ -2917,7 +3278,7 @@
             </a:lvl1pPr>
           </a:lstStyle>
           <a:p>
-            <a:fld id="{E247D2D3-AFE7-4B4F-B1AE-B7359ADD5D97}" type="datetimeFigureOut">
+            <a:fld id="{6EB64197-BB8D-4D6C-A52D-C994697278FA}" type="datetime1">
               <a:rPr lang="en-US" smtClean="0"/>
               <a:t>7/11/2017</a:t>
             </a:fld>
@@ -3036,6 +3397,7 @@
     <p:sldLayoutId id="2147483658" r:id="rId10"/>
     <p:sldLayoutId id="2147483659" r:id="rId11"/>
   </p:sldLayoutIdLst>
+  <p:hf hdr="0" ftr="0" dt="0"/>
   <p:txStyles>
     <p:titleStyle>
       <a:lvl1pPr algn="l" defTabSz="914400" rtl="0" eaLnBrk="1" latinLnBrk="0" hangingPunct="1">
@@ -3406,6 +3768,35 @@
           </a:p>
         </p:txBody>
       </p:sp>
+      <p:sp>
+        <p:nvSpPr>
+          <p:cNvPr id="4" name="Slide Number Placeholder 3">
+            <a:extLst>
+              <a:ext uri="{FF2B5EF4-FFF2-40B4-BE49-F238E27FC236}">
+                <a16:creationId xmlns:a16="http://schemas.microsoft.com/office/drawing/2014/main" id="{0F2BC43C-B961-4718-94B1-17B0194CA165}"/>
+              </a:ext>
+            </a:extLst>
+          </p:cNvPr>
+          <p:cNvSpPr>
+            <a:spLocks noGrp="1"/>
+          </p:cNvSpPr>
+          <p:nvPr>
+            <p:ph type="sldNum" sz="quarter" idx="12"/>
+          </p:nvPr>
+        </p:nvSpPr>
+        <p:spPr/>
+        <p:txBody>
+          <a:bodyPr/>
+          <a:lstStyle/>
+          <a:p>
+            <a:fld id="{A793387B-8BEA-41FE-BEC6-9E95D20CE909}" type="slidenum">
+              <a:rPr lang="en-US" smtClean="0"/>
+              <a:t>1</a:t>
+            </a:fld>
+            <a:endParaRPr lang="en-US"/>
+          </a:p>
+        </p:txBody>
+      </p:sp>
     </p:spTree>
     <p:extLst>
       <p:ext uri="{BB962C8B-B14F-4D97-AF65-F5344CB8AC3E}">
@@ -3521,7 +3912,7 @@
             <a:avLst/>
           </a:prstGeom>
           <a:noFill/>
-          <a:ln>
+          <a:ln w="31750">
             <a:solidFill>
               <a:srgbClr val="FF0000"/>
             </a:solidFill>
@@ -3548,6 +3939,35 @@
           <a:lstStyle/>
           <a:p>
             <a:pPr algn="ctr"/>
+            <a:endParaRPr lang="en-US"/>
+          </a:p>
+        </p:txBody>
+      </p:sp>
+      <p:sp>
+        <p:nvSpPr>
+          <p:cNvPr id="4" name="Slide Number Placeholder 3">
+            <a:extLst>
+              <a:ext uri="{FF2B5EF4-FFF2-40B4-BE49-F238E27FC236}">
+                <a16:creationId xmlns:a16="http://schemas.microsoft.com/office/drawing/2014/main" id="{DC89CE7B-48A1-431B-8F98-45F14AD9BD28}"/>
+              </a:ext>
+            </a:extLst>
+          </p:cNvPr>
+          <p:cNvSpPr>
+            <a:spLocks noGrp="1"/>
+          </p:cNvSpPr>
+          <p:nvPr>
+            <p:ph type="sldNum" sz="quarter" idx="12"/>
+          </p:nvPr>
+        </p:nvSpPr>
+        <p:spPr/>
+        <p:txBody>
+          <a:bodyPr/>
+          <a:lstStyle/>
+          <a:p>
+            <a:fld id="{A793387B-8BEA-41FE-BEC6-9E95D20CE909}" type="slidenum">
+              <a:rPr lang="en-US" smtClean="0"/>
+              <a:t>10</a:t>
+            </a:fld>
             <a:endParaRPr lang="en-US"/>
           </a:p>
         </p:txBody>
@@ -3775,7 +4195,7 @@
         </p:nvGraphicFramePr>
         <p:xfrm>
           <a:off x="527222" y="453081"/>
-          <a:ext cx="11186983" cy="6093333"/>
+          <a:ext cx="11186983" cy="6309360"/>
         </p:xfrm>
         <a:graphic>
           <a:graphicData uri="http://schemas.openxmlformats.org/drawingml/2006/table">
@@ -5611,6 +6031,35 @@
           </a:graphicData>
         </a:graphic>
       </p:graphicFrame>
+      <p:sp>
+        <p:nvSpPr>
+          <p:cNvPr id="3" name="Slide Number Placeholder 2">
+            <a:extLst>
+              <a:ext uri="{FF2B5EF4-FFF2-40B4-BE49-F238E27FC236}">
+                <a16:creationId xmlns:a16="http://schemas.microsoft.com/office/drawing/2014/main" id="{A3974CC1-0883-43CE-AB47-DF8F46DE5CB2}"/>
+              </a:ext>
+            </a:extLst>
+          </p:cNvPr>
+          <p:cNvSpPr>
+            <a:spLocks noGrp="1"/>
+          </p:cNvSpPr>
+          <p:nvPr>
+            <p:ph type="sldNum" sz="quarter" idx="12"/>
+          </p:nvPr>
+        </p:nvSpPr>
+        <p:spPr/>
+        <p:txBody>
+          <a:bodyPr/>
+          <a:lstStyle/>
+          <a:p>
+            <a:fld id="{A793387B-8BEA-41FE-BEC6-9E95D20CE909}" type="slidenum">
+              <a:rPr lang="en-US" smtClean="0"/>
+              <a:t>11</a:t>
+            </a:fld>
+            <a:endParaRPr lang="en-US"/>
+          </a:p>
+        </p:txBody>
+      </p:sp>
     </p:spTree>
     <p:extLst>
       <p:ext uri="{BB962C8B-B14F-4D97-AF65-F5344CB8AC3E}">
@@ -5711,6 +6160,35 @@
           </a:xfrm>
         </p:spPr>
       </p:pic>
+      <p:sp>
+        <p:nvSpPr>
+          <p:cNvPr id="3" name="Slide Number Placeholder 2">
+            <a:extLst>
+              <a:ext uri="{FF2B5EF4-FFF2-40B4-BE49-F238E27FC236}">
+                <a16:creationId xmlns:a16="http://schemas.microsoft.com/office/drawing/2014/main" id="{EF9C0860-2A0D-4A0E-9C37-3424227AAB3F}"/>
+              </a:ext>
+            </a:extLst>
+          </p:cNvPr>
+          <p:cNvSpPr>
+            <a:spLocks noGrp="1"/>
+          </p:cNvSpPr>
+          <p:nvPr>
+            <p:ph type="sldNum" sz="quarter" idx="12"/>
+          </p:nvPr>
+        </p:nvSpPr>
+        <p:spPr/>
+        <p:txBody>
+          <a:bodyPr/>
+          <a:lstStyle/>
+          <a:p>
+            <a:fld id="{A793387B-8BEA-41FE-BEC6-9E95D20CE909}" type="slidenum">
+              <a:rPr lang="en-US" smtClean="0"/>
+              <a:t>12</a:t>
+            </a:fld>
+            <a:endParaRPr lang="en-US"/>
+          </a:p>
+        </p:txBody>
+      </p:sp>
     </p:spTree>
     <p:extLst>
       <p:ext uri="{BB962C8B-B14F-4D97-AF65-F5344CB8AC3E}">
@@ -5819,14 +6297,14 @@
         </p:nvSpPr>
         <p:spPr>
           <a:xfrm>
-            <a:off x="4687330" y="4647963"/>
-            <a:ext cx="2257168" cy="601363"/>
+            <a:off x="4879910" y="4647963"/>
+            <a:ext cx="1959430" cy="601363"/>
           </a:xfrm>
           <a:prstGeom prst="rect">
             <a:avLst/>
           </a:prstGeom>
           <a:noFill/>
-          <a:ln>
+          <a:ln w="31750">
             <a:solidFill>
               <a:srgbClr val="FF0000"/>
             </a:solidFill>
@@ -5853,6 +6331,35 @@
           <a:lstStyle/>
           <a:p>
             <a:pPr algn="ctr"/>
+            <a:endParaRPr lang="en-US"/>
+          </a:p>
+        </p:txBody>
+      </p:sp>
+      <p:sp>
+        <p:nvSpPr>
+          <p:cNvPr id="4" name="Slide Number Placeholder 3">
+            <a:extLst>
+              <a:ext uri="{FF2B5EF4-FFF2-40B4-BE49-F238E27FC236}">
+                <a16:creationId xmlns:a16="http://schemas.microsoft.com/office/drawing/2014/main" id="{FBEC9CE1-BEC6-42FE-A2D9-3556EF371B39}"/>
+              </a:ext>
+            </a:extLst>
+          </p:cNvPr>
+          <p:cNvSpPr>
+            <a:spLocks noGrp="1"/>
+          </p:cNvSpPr>
+          <p:nvPr>
+            <p:ph type="sldNum" sz="quarter" idx="12"/>
+          </p:nvPr>
+        </p:nvSpPr>
+        <p:spPr/>
+        <p:txBody>
+          <a:bodyPr/>
+          <a:lstStyle/>
+          <a:p>
+            <a:fld id="{A793387B-8BEA-41FE-BEC6-9E95D20CE909}" type="slidenum">
+              <a:rPr lang="en-US" smtClean="0"/>
+              <a:t>13</a:t>
+            </a:fld>
             <a:endParaRPr lang="en-US"/>
           </a:p>
         </p:txBody>
@@ -7790,6 +8297,35 @@
           </a:graphicData>
         </a:graphic>
       </p:graphicFrame>
+      <p:sp>
+        <p:nvSpPr>
+          <p:cNvPr id="3" name="Slide Number Placeholder 2">
+            <a:extLst>
+              <a:ext uri="{FF2B5EF4-FFF2-40B4-BE49-F238E27FC236}">
+                <a16:creationId xmlns:a16="http://schemas.microsoft.com/office/drawing/2014/main" id="{28DC6095-A76F-4B31-B365-79F167AB1918}"/>
+              </a:ext>
+            </a:extLst>
+          </p:cNvPr>
+          <p:cNvSpPr>
+            <a:spLocks noGrp="1"/>
+          </p:cNvSpPr>
+          <p:nvPr>
+            <p:ph type="sldNum" sz="quarter" idx="12"/>
+          </p:nvPr>
+        </p:nvSpPr>
+        <p:spPr/>
+        <p:txBody>
+          <a:bodyPr/>
+          <a:lstStyle/>
+          <a:p>
+            <a:fld id="{A793387B-8BEA-41FE-BEC6-9E95D20CE909}" type="slidenum">
+              <a:rPr lang="en-US" smtClean="0"/>
+              <a:t>14</a:t>
+            </a:fld>
+            <a:endParaRPr lang="en-US"/>
+          </a:p>
+        </p:txBody>
+      </p:sp>
     </p:spTree>
     <p:extLst>
       <p:ext uri="{BB962C8B-B14F-4D97-AF65-F5344CB8AC3E}">
@@ -7890,6 +8426,35 @@
           </a:xfrm>
         </p:spPr>
       </p:pic>
+      <p:sp>
+        <p:nvSpPr>
+          <p:cNvPr id="3" name="Slide Number Placeholder 2">
+            <a:extLst>
+              <a:ext uri="{FF2B5EF4-FFF2-40B4-BE49-F238E27FC236}">
+                <a16:creationId xmlns:a16="http://schemas.microsoft.com/office/drawing/2014/main" id="{95646EE5-CF5C-4700-84AF-58BF603CEF4C}"/>
+              </a:ext>
+            </a:extLst>
+          </p:cNvPr>
+          <p:cNvSpPr>
+            <a:spLocks noGrp="1"/>
+          </p:cNvSpPr>
+          <p:nvPr>
+            <p:ph type="sldNum" sz="quarter" idx="12"/>
+          </p:nvPr>
+        </p:nvSpPr>
+        <p:spPr/>
+        <p:txBody>
+          <a:bodyPr/>
+          <a:lstStyle/>
+          <a:p>
+            <a:fld id="{A793387B-8BEA-41FE-BEC6-9E95D20CE909}" type="slidenum">
+              <a:rPr lang="en-US" smtClean="0"/>
+              <a:t>15</a:t>
+            </a:fld>
+            <a:endParaRPr lang="en-US"/>
+          </a:p>
+        </p:txBody>
+      </p:sp>
     </p:spTree>
     <p:extLst>
       <p:ext uri="{BB962C8B-B14F-4D97-AF65-F5344CB8AC3E}">
@@ -7992,6 +8557,35 @@
           </a:p>
         </p:txBody>
       </p:sp>
+      <p:sp>
+        <p:nvSpPr>
+          <p:cNvPr id="4" name="Slide Number Placeholder 3">
+            <a:extLst>
+              <a:ext uri="{FF2B5EF4-FFF2-40B4-BE49-F238E27FC236}">
+                <a16:creationId xmlns:a16="http://schemas.microsoft.com/office/drawing/2014/main" id="{88C41371-29F4-4CE5-B81A-5494D4BFDE92}"/>
+              </a:ext>
+            </a:extLst>
+          </p:cNvPr>
+          <p:cNvSpPr>
+            <a:spLocks noGrp="1"/>
+          </p:cNvSpPr>
+          <p:nvPr>
+            <p:ph type="sldNum" sz="quarter" idx="12"/>
+          </p:nvPr>
+        </p:nvSpPr>
+        <p:spPr/>
+        <p:txBody>
+          <a:bodyPr/>
+          <a:lstStyle/>
+          <a:p>
+            <a:fld id="{A793387B-8BEA-41FE-BEC6-9E95D20CE909}" type="slidenum">
+              <a:rPr lang="en-US" smtClean="0"/>
+              <a:t>16</a:t>
+            </a:fld>
+            <a:endParaRPr lang="en-US"/>
+          </a:p>
+        </p:txBody>
+      </p:sp>
     </p:spTree>
     <p:extLst>
       <p:ext uri="{BB962C8B-B14F-4D97-AF65-F5344CB8AC3E}">
@@ -8086,6 +8680,35 @@
           </a:xfrm>
         </p:spPr>
       </p:pic>
+      <p:sp>
+        <p:nvSpPr>
+          <p:cNvPr id="3" name="Slide Number Placeholder 2">
+            <a:extLst>
+              <a:ext uri="{FF2B5EF4-FFF2-40B4-BE49-F238E27FC236}">
+                <a16:creationId xmlns:a16="http://schemas.microsoft.com/office/drawing/2014/main" id="{D4093D21-1029-4922-93EE-CDFDC1B9880A}"/>
+              </a:ext>
+            </a:extLst>
+          </p:cNvPr>
+          <p:cNvSpPr>
+            <a:spLocks noGrp="1"/>
+          </p:cNvSpPr>
+          <p:nvPr>
+            <p:ph type="sldNum" sz="quarter" idx="12"/>
+          </p:nvPr>
+        </p:nvSpPr>
+        <p:spPr/>
+        <p:txBody>
+          <a:bodyPr/>
+          <a:lstStyle/>
+          <a:p>
+            <a:fld id="{A793387B-8BEA-41FE-BEC6-9E95D20CE909}" type="slidenum">
+              <a:rPr lang="en-US" smtClean="0"/>
+              <a:t>2</a:t>
+            </a:fld>
+            <a:endParaRPr lang="en-US"/>
+          </a:p>
+        </p:txBody>
+      </p:sp>
     </p:spTree>
     <p:extLst>
       <p:ext uri="{BB962C8B-B14F-4D97-AF65-F5344CB8AC3E}">
@@ -8567,6 +9190,35 @@
           </a:graphicData>
         </a:graphic>
       </p:graphicFrame>
+      <p:sp>
+        <p:nvSpPr>
+          <p:cNvPr id="3" name="Slide Number Placeholder 2">
+            <a:extLst>
+              <a:ext uri="{FF2B5EF4-FFF2-40B4-BE49-F238E27FC236}">
+                <a16:creationId xmlns:a16="http://schemas.microsoft.com/office/drawing/2014/main" id="{9D5D7ADB-8884-4694-8DB2-1B2DE25767CC}"/>
+              </a:ext>
+            </a:extLst>
+          </p:cNvPr>
+          <p:cNvSpPr>
+            <a:spLocks noGrp="1"/>
+          </p:cNvSpPr>
+          <p:nvPr>
+            <p:ph type="sldNum" sz="quarter" idx="12"/>
+          </p:nvPr>
+        </p:nvSpPr>
+        <p:spPr/>
+        <p:txBody>
+          <a:bodyPr/>
+          <a:lstStyle/>
+          <a:p>
+            <a:fld id="{A793387B-8BEA-41FE-BEC6-9E95D20CE909}" type="slidenum">
+              <a:rPr lang="en-US" smtClean="0"/>
+              <a:t>3</a:t>
+            </a:fld>
+            <a:endParaRPr lang="en-US"/>
+          </a:p>
+        </p:txBody>
+      </p:sp>
     </p:spTree>
     <p:extLst>
       <p:ext uri="{BB962C8B-B14F-4D97-AF65-F5344CB8AC3E}">
@@ -8675,14 +9327,14 @@
         </p:nvSpPr>
         <p:spPr>
           <a:xfrm>
-            <a:off x="4967416" y="2413686"/>
-            <a:ext cx="1820562" cy="601363"/>
+            <a:off x="5057193" y="2413686"/>
+            <a:ext cx="1623526" cy="601363"/>
           </a:xfrm>
           <a:prstGeom prst="rect">
             <a:avLst/>
           </a:prstGeom>
           <a:noFill/>
-          <a:ln>
+          <a:ln w="31750">
             <a:solidFill>
               <a:srgbClr val="FF0000"/>
             </a:solidFill>
@@ -8709,6 +9361,35 @@
           <a:lstStyle/>
           <a:p>
             <a:pPr algn="ctr"/>
+            <a:endParaRPr lang="en-US"/>
+          </a:p>
+        </p:txBody>
+      </p:sp>
+      <p:sp>
+        <p:nvSpPr>
+          <p:cNvPr id="4" name="Slide Number Placeholder 3">
+            <a:extLst>
+              <a:ext uri="{FF2B5EF4-FFF2-40B4-BE49-F238E27FC236}">
+                <a16:creationId xmlns:a16="http://schemas.microsoft.com/office/drawing/2014/main" id="{3F2F5BE1-C735-4BA5-B1CD-EACDFBBDD33D}"/>
+              </a:ext>
+            </a:extLst>
+          </p:cNvPr>
+          <p:cNvSpPr>
+            <a:spLocks noGrp="1"/>
+          </p:cNvSpPr>
+          <p:nvPr>
+            <p:ph type="sldNum" sz="quarter" idx="12"/>
+          </p:nvPr>
+        </p:nvSpPr>
+        <p:spPr/>
+        <p:txBody>
+          <a:bodyPr/>
+          <a:lstStyle/>
+          <a:p>
+            <a:fld id="{A793387B-8BEA-41FE-BEC6-9E95D20CE909}" type="slidenum">
+              <a:rPr lang="en-US" smtClean="0"/>
+              <a:t>4</a:t>
+            </a:fld>
             <a:endParaRPr lang="en-US"/>
           </a:p>
         </p:txBody>
@@ -8940,7 +9621,7 @@
         </p:nvGraphicFramePr>
         <p:xfrm>
           <a:off x="739346" y="329515"/>
-          <a:ext cx="10099590" cy="6376087"/>
+          <a:ext cx="10099590" cy="6436672"/>
         </p:xfrm>
         <a:graphic>
           <a:graphicData uri="http://schemas.openxmlformats.org/drawingml/2006/table">
@@ -10857,6 +11538,35 @@
           </a:graphicData>
         </a:graphic>
       </p:graphicFrame>
+      <p:sp>
+        <p:nvSpPr>
+          <p:cNvPr id="3" name="Slide Number Placeholder 2">
+            <a:extLst>
+              <a:ext uri="{FF2B5EF4-FFF2-40B4-BE49-F238E27FC236}">
+                <a16:creationId xmlns:a16="http://schemas.microsoft.com/office/drawing/2014/main" id="{D52789E9-966A-4AF9-BE61-4ABD4801B9F4}"/>
+              </a:ext>
+            </a:extLst>
+          </p:cNvPr>
+          <p:cNvSpPr>
+            <a:spLocks noGrp="1"/>
+          </p:cNvSpPr>
+          <p:nvPr>
+            <p:ph type="sldNum" sz="quarter" idx="12"/>
+          </p:nvPr>
+        </p:nvSpPr>
+        <p:spPr/>
+        <p:txBody>
+          <a:bodyPr/>
+          <a:lstStyle/>
+          <a:p>
+            <a:fld id="{A793387B-8BEA-41FE-BEC6-9E95D20CE909}" type="slidenum">
+              <a:rPr lang="en-US" smtClean="0"/>
+              <a:t>5</a:t>
+            </a:fld>
+            <a:endParaRPr lang="en-US"/>
+          </a:p>
+        </p:txBody>
+      </p:sp>
     </p:spTree>
     <p:extLst>
       <p:ext uri="{BB962C8B-B14F-4D97-AF65-F5344CB8AC3E}">
@@ -10957,6 +11667,35 @@
           </a:xfrm>
         </p:spPr>
       </p:pic>
+      <p:sp>
+        <p:nvSpPr>
+          <p:cNvPr id="3" name="Slide Number Placeholder 2">
+            <a:extLst>
+              <a:ext uri="{FF2B5EF4-FFF2-40B4-BE49-F238E27FC236}">
+                <a16:creationId xmlns:a16="http://schemas.microsoft.com/office/drawing/2014/main" id="{CE99B770-93D5-41AB-8249-46C4F7FB6A6D}"/>
+              </a:ext>
+            </a:extLst>
+          </p:cNvPr>
+          <p:cNvSpPr>
+            <a:spLocks noGrp="1"/>
+          </p:cNvSpPr>
+          <p:nvPr>
+            <p:ph type="sldNum" sz="quarter" idx="12"/>
+          </p:nvPr>
+        </p:nvSpPr>
+        <p:spPr/>
+        <p:txBody>
+          <a:bodyPr/>
+          <a:lstStyle/>
+          <a:p>
+            <a:fld id="{A793387B-8BEA-41FE-BEC6-9E95D20CE909}" type="slidenum">
+              <a:rPr lang="en-US" smtClean="0"/>
+              <a:t>6</a:t>
+            </a:fld>
+            <a:endParaRPr lang="en-US"/>
+          </a:p>
+        </p:txBody>
+      </p:sp>
     </p:spTree>
     <p:extLst>
       <p:ext uri="{BB962C8B-B14F-4D97-AF65-F5344CB8AC3E}">
@@ -11072,7 +11811,7 @@
             <a:avLst/>
           </a:prstGeom>
           <a:noFill/>
-          <a:ln>
+          <a:ln w="31750">
             <a:solidFill>
               <a:srgbClr val="FF0000"/>
             </a:solidFill>
@@ -11099,6 +11838,35 @@
           <a:lstStyle/>
           <a:p>
             <a:pPr algn="ctr"/>
+            <a:endParaRPr lang="en-US"/>
+          </a:p>
+        </p:txBody>
+      </p:sp>
+      <p:sp>
+        <p:nvSpPr>
+          <p:cNvPr id="4" name="Slide Number Placeholder 3">
+            <a:extLst>
+              <a:ext uri="{FF2B5EF4-FFF2-40B4-BE49-F238E27FC236}">
+                <a16:creationId xmlns:a16="http://schemas.microsoft.com/office/drawing/2014/main" id="{AD704490-2EF5-4FE2-BB7B-12C3E2638B48}"/>
+              </a:ext>
+            </a:extLst>
+          </p:cNvPr>
+          <p:cNvSpPr>
+            <a:spLocks noGrp="1"/>
+          </p:cNvSpPr>
+          <p:nvPr>
+            <p:ph type="sldNum" sz="quarter" idx="12"/>
+          </p:nvPr>
+        </p:nvSpPr>
+        <p:spPr/>
+        <p:txBody>
+          <a:bodyPr/>
+          <a:lstStyle/>
+          <a:p>
+            <a:fld id="{A793387B-8BEA-41FE-BEC6-9E95D20CE909}" type="slidenum">
+              <a:rPr lang="en-US" smtClean="0"/>
+              <a:t>7</a:t>
+            </a:fld>
             <a:endParaRPr lang="en-US"/>
           </a:p>
         </p:txBody>
@@ -11326,7 +12094,7 @@
         </p:nvGraphicFramePr>
         <p:xfrm>
           <a:off x="514865" y="568412"/>
-          <a:ext cx="11162270" cy="5824155"/>
+          <a:ext cx="11162270" cy="5974844"/>
         </p:xfrm>
         <a:graphic>
           <a:graphicData uri="http://schemas.openxmlformats.org/drawingml/2006/table">
@@ -13057,6 +13825,35 @@
           </a:graphicData>
         </a:graphic>
       </p:graphicFrame>
+      <p:sp>
+        <p:nvSpPr>
+          <p:cNvPr id="3" name="Slide Number Placeholder 2">
+            <a:extLst>
+              <a:ext uri="{FF2B5EF4-FFF2-40B4-BE49-F238E27FC236}">
+                <a16:creationId xmlns:a16="http://schemas.microsoft.com/office/drawing/2014/main" id="{54A08794-2D33-4894-B8B6-D2C6FCDF69C3}"/>
+              </a:ext>
+            </a:extLst>
+          </p:cNvPr>
+          <p:cNvSpPr>
+            <a:spLocks noGrp="1"/>
+          </p:cNvSpPr>
+          <p:nvPr>
+            <p:ph type="sldNum" sz="quarter" idx="12"/>
+          </p:nvPr>
+        </p:nvSpPr>
+        <p:spPr/>
+        <p:txBody>
+          <a:bodyPr/>
+          <a:lstStyle/>
+          <a:p>
+            <a:fld id="{A793387B-8BEA-41FE-BEC6-9E95D20CE909}" type="slidenum">
+              <a:rPr lang="en-US" smtClean="0"/>
+              <a:t>8</a:t>
+            </a:fld>
+            <a:endParaRPr lang="en-US"/>
+          </a:p>
+        </p:txBody>
+      </p:sp>
     </p:spTree>
     <p:extLst>
       <p:ext uri="{BB962C8B-B14F-4D97-AF65-F5344CB8AC3E}">
@@ -13157,6 +13954,35 @@
           </a:xfrm>
         </p:spPr>
       </p:pic>
+      <p:sp>
+        <p:nvSpPr>
+          <p:cNvPr id="3" name="Slide Number Placeholder 2">
+            <a:extLst>
+              <a:ext uri="{FF2B5EF4-FFF2-40B4-BE49-F238E27FC236}">
+                <a16:creationId xmlns:a16="http://schemas.microsoft.com/office/drawing/2014/main" id="{67BD919B-1114-4128-BC01-5817DFD66877}"/>
+              </a:ext>
+            </a:extLst>
+          </p:cNvPr>
+          <p:cNvSpPr>
+            <a:spLocks noGrp="1"/>
+          </p:cNvSpPr>
+          <p:nvPr>
+            <p:ph type="sldNum" sz="quarter" idx="12"/>
+          </p:nvPr>
+        </p:nvSpPr>
+        <p:spPr/>
+        <p:txBody>
+          <a:bodyPr/>
+          <a:lstStyle/>
+          <a:p>
+            <a:fld id="{A793387B-8BEA-41FE-BEC6-9E95D20CE909}" type="slidenum">
+              <a:rPr lang="en-US" smtClean="0"/>
+              <a:t>9</a:t>
+            </a:fld>
+            <a:endParaRPr lang="en-US"/>
+          </a:p>
+        </p:txBody>
+      </p:sp>
     </p:spTree>
     <p:extLst>
       <p:ext uri="{BB962C8B-B14F-4D97-AF65-F5344CB8AC3E}">
@@ -13463,4 +14289,299 @@
     </a:ext>
   </a:extLst>
 </a:theme>
+</file>
+
+<file path=ppt/theme/theme2.xml><?xml version="1.0" encoding="utf-8"?>
+<a:theme xmlns:a="http://schemas.openxmlformats.org/drawingml/2006/main" name="Office Theme">
+  <a:themeElements>
+    <a:clrScheme name="Office">
+      <a:dk1>
+        <a:sysClr val="windowText" lastClr="000000"/>
+      </a:dk1>
+      <a:lt1>
+        <a:sysClr val="window" lastClr="FFFFFF"/>
+      </a:lt1>
+      <a:dk2>
+        <a:srgbClr val="44546A"/>
+      </a:dk2>
+      <a:lt2>
+        <a:srgbClr val="E7E6E6"/>
+      </a:lt2>
+      <a:accent1>
+        <a:srgbClr val="4472C4"/>
+      </a:accent1>
+      <a:accent2>
+        <a:srgbClr val="ED7D31"/>
+      </a:accent2>
+      <a:accent3>
+        <a:srgbClr val="A5A5A5"/>
+      </a:accent3>
+      <a:accent4>
+        <a:srgbClr val="FFC000"/>
+      </a:accent4>
+      <a:accent5>
+        <a:srgbClr val="5B9BD5"/>
+      </a:accent5>
+      <a:accent6>
+        <a:srgbClr val="70AD47"/>
+      </a:accent6>
+      <a:hlink>
+        <a:srgbClr val="0563C1"/>
+      </a:hlink>
+      <a:folHlink>
+        <a:srgbClr val="954F72"/>
+      </a:folHlink>
+    </a:clrScheme>
+    <a:fontScheme name="Office">
+      <a:majorFont>
+        <a:latin typeface="Calibri Light" panose="020F0302020204030204"/>
+        <a:ea typeface=""/>
+        <a:cs typeface=""/>
+        <a:font script="Jpan" typeface="游ゴシック Light"/>
+        <a:font script="Hang" typeface="맑은 고딕"/>
+        <a:font script="Hans" typeface="等线 Light"/>
+        <a:font script="Hant" typeface="新細明體"/>
+        <a:font script="Arab" typeface="Times New Roman"/>
+        <a:font script="Hebr" typeface="Times New Roman"/>
+        <a:font script="Thai" typeface="Angsana New"/>
+        <a:font script="Ethi" typeface="Nyala"/>
+        <a:font script="Beng" typeface="Vrinda"/>
+        <a:font script="Gujr" typeface="Shruti"/>
+        <a:font script="Khmr" typeface="MoolBoran"/>
+        <a:font script="Knda" typeface="Tunga"/>
+        <a:font script="Guru" typeface="Raavi"/>
+        <a:font script="Cans" typeface="Euphemia"/>
+        <a:font script="Cher" typeface="Plantagenet Cherokee"/>
+        <a:font script="Yiii" typeface="Microsoft Yi Baiti"/>
+        <a:font script="Tibt" typeface="Microsoft Himalaya"/>
+        <a:font script="Thaa" typeface="MV Boli"/>
+        <a:font script="Deva" typeface="Mangal"/>
+        <a:font script="Telu" typeface="Gautami"/>
+        <a:font script="Taml" typeface="Latha"/>
+        <a:font script="Syrc" typeface="Estrangelo Edessa"/>
+        <a:font script="Orya" typeface="Kalinga"/>
+        <a:font script="Mlym" typeface="Kartika"/>
+        <a:font script="Laoo" typeface="DokChampa"/>
+        <a:font script="Sinh" typeface="Iskoola Pota"/>
+        <a:font script="Mong" typeface="Mongolian Baiti"/>
+        <a:font script="Viet" typeface="Times New Roman"/>
+        <a:font script="Uigh" typeface="Microsoft Uighur"/>
+        <a:font script="Geor" typeface="Sylfaen"/>
+        <a:font script="Armn" typeface="Arial"/>
+        <a:font script="Bugi" typeface="Leelawadee UI"/>
+        <a:font script="Bopo" typeface="Microsoft JhengHei"/>
+        <a:font script="Java" typeface="Javanese Text"/>
+        <a:font script="Lisu" typeface="Segoe UI"/>
+        <a:font script="Mymr" typeface="Myanmar Text"/>
+        <a:font script="Nkoo" typeface="Ebrima"/>
+        <a:font script="Olck" typeface="Nirmala UI"/>
+        <a:font script="Osma" typeface="Ebrima"/>
+        <a:font script="Phag" typeface="Phagspa"/>
+        <a:font script="Syrn" typeface="Estrangelo Edessa"/>
+        <a:font script="Syrj" typeface="Estrangelo Edessa"/>
+        <a:font script="Syre" typeface="Estrangelo Edessa"/>
+        <a:font script="Sora" typeface="Nirmala UI"/>
+        <a:font script="Tale" typeface="Microsoft Tai Le"/>
+        <a:font script="Talu" typeface="Microsoft New Tai Lue"/>
+        <a:font script="Tfng" typeface="Ebrima"/>
+      </a:majorFont>
+      <a:minorFont>
+        <a:latin typeface="Calibri" panose="020F0502020204030204"/>
+        <a:ea typeface=""/>
+        <a:cs typeface=""/>
+        <a:font script="Jpan" typeface="游ゴシック"/>
+        <a:font script="Hang" typeface="맑은 고딕"/>
+        <a:font script="Hans" typeface="等线"/>
+        <a:font script="Hant" typeface="新細明體"/>
+        <a:font script="Arab" typeface="Arial"/>
+        <a:font script="Hebr" typeface="Arial"/>
+        <a:font script="Thai" typeface="Cordia New"/>
+        <a:font script="Ethi" typeface="Nyala"/>
+        <a:font script="Beng" typeface="Vrinda"/>
+        <a:font script="Gujr" typeface="Shruti"/>
+        <a:font script="Khmr" typeface="DaunPenh"/>
+        <a:font script="Knda" typeface="Tunga"/>
+        <a:font script="Guru" typeface="Raavi"/>
+        <a:font script="Cans" typeface="Euphemia"/>
+        <a:font script="Cher" typeface="Plantagenet Cherokee"/>
+        <a:font script="Yiii" typeface="Microsoft Yi Baiti"/>
+        <a:font script="Tibt" typeface="Microsoft Himalaya"/>
+        <a:font script="Thaa" typeface="MV Boli"/>
+        <a:font script="Deva" typeface="Mangal"/>
+        <a:font script="Telu" typeface="Gautami"/>
+        <a:font script="Taml" typeface="Latha"/>
+        <a:font script="Syrc" typeface="Estrangelo Edessa"/>
+        <a:font script="Orya" typeface="Kalinga"/>
+        <a:font script="Mlym" typeface="Kartika"/>
+        <a:font script="Laoo" typeface="DokChampa"/>
+        <a:font script="Sinh" typeface="Iskoola Pota"/>
+        <a:font script="Mong" typeface="Mongolian Baiti"/>
+        <a:font script="Viet" typeface="Arial"/>
+        <a:font script="Uigh" typeface="Microsoft Uighur"/>
+        <a:font script="Geor" typeface="Sylfaen"/>
+        <a:font script="Armn" typeface="Arial"/>
+        <a:font script="Bugi" typeface="Leelawadee UI"/>
+        <a:font script="Bopo" typeface="Microsoft JhengHei"/>
+        <a:font script="Java" typeface="Javanese Text"/>
+        <a:font script="Lisu" typeface="Segoe UI"/>
+        <a:font script="Mymr" typeface="Myanmar Text"/>
+        <a:font script="Nkoo" typeface="Ebrima"/>
+        <a:font script="Olck" typeface="Nirmala UI"/>
+        <a:font script="Osma" typeface="Ebrima"/>
+        <a:font script="Phag" typeface="Phagspa"/>
+        <a:font script="Syrn" typeface="Estrangelo Edessa"/>
+        <a:font script="Syrj" typeface="Estrangelo Edessa"/>
+        <a:font script="Syre" typeface="Estrangelo Edessa"/>
+        <a:font script="Sora" typeface="Nirmala UI"/>
+        <a:font script="Tale" typeface="Microsoft Tai Le"/>
+        <a:font script="Talu" typeface="Microsoft New Tai Lue"/>
+        <a:font script="Tfng" typeface="Ebrima"/>
+      </a:minorFont>
+    </a:fontScheme>
+    <a:fmtScheme name="Office">
+      <a:fillStyleLst>
+        <a:solidFill>
+          <a:schemeClr val="phClr"/>
+        </a:solidFill>
+        <a:gradFill rotWithShape="1">
+          <a:gsLst>
+            <a:gs pos="0">
+              <a:schemeClr val="phClr">
+                <a:lumMod val="110000"/>
+                <a:satMod val="105000"/>
+                <a:tint val="67000"/>
+              </a:schemeClr>
+            </a:gs>
+            <a:gs pos="50000">
+              <a:schemeClr val="phClr">
+                <a:lumMod val="105000"/>
+                <a:satMod val="103000"/>
+                <a:tint val="73000"/>
+              </a:schemeClr>
+            </a:gs>
+            <a:gs pos="100000">
+              <a:schemeClr val="phClr">
+                <a:lumMod val="105000"/>
+                <a:satMod val="109000"/>
+                <a:tint val="81000"/>
+              </a:schemeClr>
+            </a:gs>
+          </a:gsLst>
+          <a:lin ang="5400000" scaled="0"/>
+        </a:gradFill>
+        <a:gradFill rotWithShape="1">
+          <a:gsLst>
+            <a:gs pos="0">
+              <a:schemeClr val="phClr">
+                <a:satMod val="103000"/>
+                <a:lumMod val="102000"/>
+                <a:tint val="94000"/>
+              </a:schemeClr>
+            </a:gs>
+            <a:gs pos="50000">
+              <a:schemeClr val="phClr">
+                <a:satMod val="110000"/>
+                <a:lumMod val="100000"/>
+                <a:shade val="100000"/>
+              </a:schemeClr>
+            </a:gs>
+            <a:gs pos="100000">
+              <a:schemeClr val="phClr">
+                <a:lumMod val="99000"/>
+                <a:satMod val="120000"/>
+                <a:shade val="78000"/>
+              </a:schemeClr>
+            </a:gs>
+          </a:gsLst>
+          <a:lin ang="5400000" scaled="0"/>
+        </a:gradFill>
+      </a:fillStyleLst>
+      <a:lnStyleLst>
+        <a:ln w="6350" cap="flat" cmpd="sng" algn="ctr">
+          <a:solidFill>
+            <a:schemeClr val="phClr"/>
+          </a:solidFill>
+          <a:prstDash val="solid"/>
+          <a:miter lim="800000"/>
+        </a:ln>
+        <a:ln w="12700" cap="flat" cmpd="sng" algn="ctr">
+          <a:solidFill>
+            <a:schemeClr val="phClr"/>
+          </a:solidFill>
+          <a:prstDash val="solid"/>
+          <a:miter lim="800000"/>
+        </a:ln>
+        <a:ln w="19050" cap="flat" cmpd="sng" algn="ctr">
+          <a:solidFill>
+            <a:schemeClr val="phClr"/>
+          </a:solidFill>
+          <a:prstDash val="solid"/>
+          <a:miter lim="800000"/>
+        </a:ln>
+      </a:lnStyleLst>
+      <a:effectStyleLst>
+        <a:effectStyle>
+          <a:effectLst/>
+        </a:effectStyle>
+        <a:effectStyle>
+          <a:effectLst/>
+        </a:effectStyle>
+        <a:effectStyle>
+          <a:effectLst>
+            <a:outerShdw blurRad="57150" dist="19050" dir="5400000" algn="ctr" rotWithShape="0">
+              <a:srgbClr val="000000">
+                <a:alpha val="63000"/>
+              </a:srgbClr>
+            </a:outerShdw>
+          </a:effectLst>
+        </a:effectStyle>
+      </a:effectStyleLst>
+      <a:bgFillStyleLst>
+        <a:solidFill>
+          <a:schemeClr val="phClr"/>
+        </a:solidFill>
+        <a:solidFill>
+          <a:schemeClr val="phClr">
+            <a:tint val="95000"/>
+            <a:satMod val="170000"/>
+          </a:schemeClr>
+        </a:solidFill>
+        <a:gradFill rotWithShape="1">
+          <a:gsLst>
+            <a:gs pos="0">
+              <a:schemeClr val="phClr">
+                <a:tint val="93000"/>
+                <a:satMod val="150000"/>
+                <a:shade val="98000"/>
+                <a:lumMod val="102000"/>
+              </a:schemeClr>
+            </a:gs>
+            <a:gs pos="50000">
+              <a:schemeClr val="phClr">
+                <a:tint val="98000"/>
+                <a:satMod val="130000"/>
+                <a:shade val="90000"/>
+                <a:lumMod val="103000"/>
+              </a:schemeClr>
+            </a:gs>
+            <a:gs pos="100000">
+              <a:schemeClr val="phClr">
+                <a:shade val="63000"/>
+                <a:satMod val="120000"/>
+              </a:schemeClr>
+            </a:gs>
+          </a:gsLst>
+          <a:lin ang="5400000" scaled="0"/>
+        </a:gradFill>
+      </a:bgFillStyleLst>
+    </a:fmtScheme>
+  </a:themeElements>
+  <a:objectDefaults/>
+  <a:extraClrSchemeLst/>
+  <a:extLst>
+    <a:ext uri="{05A4C25C-085E-4340-85A3-A5531E510DB2}">
+      <thm15:themeFamily xmlns:thm15="http://schemas.microsoft.com/office/thememl/2012/main" name="Office Theme" id="{62F939B6-93AF-4DB8-9C6B-D6C7DFDC589F}" vid="{4A3C46E8-61CC-4603-A589-7422A47A8E4A}"/>
+    </a:ext>
+  </a:extLst>
+</a:theme>
 </file>
--- a/Use Case Presentation/Use Case Presentation.pptx
+++ b/Use Case Presentation/Use Case Presentation.pptx
@@ -4188,7 +4188,7 @@
             <p:ph idx="1"/>
             <p:extLst>
               <p:ext uri="{D42A27DB-BD31-4B8C-83A1-F6EECF244321}">
-                <p14:modId xmlns:p14="http://schemas.microsoft.com/office/powerpoint/2010/main" val="2049947974"/>
+                <p14:modId xmlns:p14="http://schemas.microsoft.com/office/powerpoint/2010/main" val="343113988"/>
               </p:ext>
             </p:extLst>
           </p:nvPr>
@@ -6006,10 +6006,10 @@
                         </a:spcAft>
                       </a:pPr>
                       <a:r>
-                        <a:rPr lang="en-US" sz="1000" dirty="0">
-                          <a:effectLst/>
-                        </a:rPr>
-                        <a:t>Rev 1 – 7/8/17</a:t>
+                        <a:rPr lang="en-US" sz="1000">
+                          <a:effectLst/>
+                        </a:rPr>
+                        <a:t>Rev 2 – 7/10/17</a:t>
                       </a:r>
                       <a:endParaRPr lang="en-US" sz="1000" dirty="0">
                         <a:effectLst/>
@@ -12087,7 +12087,7 @@
             <p:ph idx="1"/>
             <p:extLst>
               <p:ext uri="{D42A27DB-BD31-4B8C-83A1-F6EECF244321}">
-                <p14:modId xmlns:p14="http://schemas.microsoft.com/office/powerpoint/2010/main" val="2697904450"/>
+                <p14:modId xmlns:p14="http://schemas.microsoft.com/office/powerpoint/2010/main" val="1257285552"/>
               </p:ext>
             </p:extLst>
           </p:nvPr>
@@ -13803,7 +13803,7 @@
                         <a:rPr lang="en-US" sz="1000" dirty="0">
                           <a:effectLst/>
                         </a:rPr>
-                        <a:t>Rev. 1 – 7/7/17</a:t>
+                        <a:t>Rev. 3 – 7/10/17</a:t>
                       </a:r>
                       <a:endParaRPr lang="en-US" sz="1000" dirty="0">
                         <a:effectLst/>

--- a/Use Case Presentation/Use Case Presentation.pptx
+++ b/Use Case Presentation/Use Case Presentation.pptx
@@ -6564,1739 +6564,6 @@
           </a:p>
         </p:txBody>
       </p:sp>
-      <p:graphicFrame>
-        <p:nvGraphicFramePr>
-          <p:cNvPr id="5" name="Content Placeholder 4">
-            <a:extLst>
-              <a:ext uri="{FF2B5EF4-FFF2-40B4-BE49-F238E27FC236}">
-                <a16:creationId xmlns:a16="http://schemas.microsoft.com/office/drawing/2014/main" id="{0E670335-8F08-43BC-8E9E-A48BF5EA2057}"/>
-              </a:ext>
-            </a:extLst>
-          </p:cNvPr>
-          <p:cNvGraphicFramePr>
-            <a:graphicFrameLocks noGrp="1"/>
-          </p:cNvGraphicFramePr>
-          <p:nvPr>
-            <p:ph idx="1"/>
-            <p:extLst>
-              <p:ext uri="{D42A27DB-BD31-4B8C-83A1-F6EECF244321}">
-                <p14:modId xmlns:p14="http://schemas.microsoft.com/office/powerpoint/2010/main" val="3638423747"/>
-              </p:ext>
-            </p:extLst>
-          </p:nvPr>
-        </p:nvGraphicFramePr>
-        <p:xfrm>
-          <a:off x="580768" y="593124"/>
-          <a:ext cx="11030464" cy="5723878"/>
-        </p:xfrm>
-        <a:graphic>
-          <a:graphicData uri="http://schemas.openxmlformats.org/drawingml/2006/table">
-            <a:tbl>
-              <a:tblPr firstRow="1" firstCol="1" bandRow="1">
-                <a:tableStyleId>{F5AB1C69-6EDB-4FF4-983F-18BD219EF322}</a:tableStyleId>
-              </a:tblPr>
-              <a:tblGrid>
-                <a:gridCol w="1878226">
-                  <a:extLst>
-                    <a:ext uri="{9D8B030D-6E8A-4147-A177-3AD203B41FA5}">
-                      <a16:colId xmlns:a16="http://schemas.microsoft.com/office/drawing/2014/main" val="3021115708"/>
-                    </a:ext>
-                  </a:extLst>
-                </a:gridCol>
-                <a:gridCol w="9152238">
-                  <a:extLst>
-                    <a:ext uri="{9D8B030D-6E8A-4147-A177-3AD203B41FA5}">
-                      <a16:colId xmlns:a16="http://schemas.microsoft.com/office/drawing/2014/main" val="1886571540"/>
-                    </a:ext>
-                  </a:extLst>
-                </a:gridCol>
-              </a:tblGrid>
-              <a:tr h="190796">
-                <a:tc>
-                  <a:txBody>
-                    <a:bodyPr/>
-                    <a:lstStyle/>
-                    <a:p>
-                      <a:pPr marL="0" marR="0">
-                        <a:lnSpc>
-                          <a:spcPct val="115000"/>
-                        </a:lnSpc>
-                        <a:spcBef>
-                          <a:spcPts val="0"/>
-                        </a:spcBef>
-                        <a:spcAft>
-                          <a:spcPts val="0"/>
-                        </a:spcAft>
-                      </a:pPr>
-                      <a:r>
-                        <a:rPr lang="en-US" sz="1000">
-                          <a:effectLst/>
-                        </a:rPr>
-                        <a:t>Name</a:t>
-                      </a:r>
-                      <a:endParaRPr lang="en-US" sz="1000">
-                        <a:effectLst/>
-                        <a:latin typeface="Calibri" panose="020F0502020204030204" pitchFamily="34" charset="0"/>
-                        <a:ea typeface="Calibri" panose="020F0502020204030204" pitchFamily="34" charset="0"/>
-                        <a:cs typeface="Times New Roman" panose="02020603050405020304" pitchFamily="18" charset="0"/>
-                      </a:endParaRPr>
-                    </a:p>
-                  </a:txBody>
-                  <a:tcPr marL="51597" marR="51597" marT="0" marB="0"/>
-                </a:tc>
-                <a:tc>
-                  <a:txBody>
-                    <a:bodyPr/>
-                    <a:lstStyle/>
-                    <a:p>
-                      <a:pPr marL="0" marR="0">
-                        <a:lnSpc>
-                          <a:spcPct val="115000"/>
-                        </a:lnSpc>
-                        <a:spcBef>
-                          <a:spcPts val="0"/>
-                        </a:spcBef>
-                        <a:spcAft>
-                          <a:spcPts val="0"/>
-                        </a:spcAft>
-                      </a:pPr>
-                      <a:r>
-                        <a:rPr lang="en-US" sz="1000" dirty="0">
-                          <a:effectLst/>
-                        </a:rPr>
-                        <a:t>Administer System</a:t>
-                      </a:r>
-                      <a:endParaRPr lang="en-US" sz="1000" dirty="0">
-                        <a:effectLst/>
-                        <a:latin typeface="Calibri" panose="020F0502020204030204" pitchFamily="34" charset="0"/>
-                        <a:ea typeface="Calibri" panose="020F0502020204030204" pitchFamily="34" charset="0"/>
-                        <a:cs typeface="Times New Roman" panose="02020603050405020304" pitchFamily="18" charset="0"/>
-                      </a:endParaRPr>
-                    </a:p>
-                  </a:txBody>
-                  <a:tcPr marL="51597" marR="51597" marT="0" marB="0"/>
-                </a:tc>
-                <a:extLst>
-                  <a:ext uri="{0D108BD9-81ED-4DB2-BD59-A6C34878D82A}">
-                    <a16:rowId xmlns:a16="http://schemas.microsoft.com/office/drawing/2014/main" val="883439864"/>
-                  </a:ext>
-                </a:extLst>
-              </a:tr>
-              <a:tr h="190796">
-                <a:tc>
-                  <a:txBody>
-                    <a:bodyPr/>
-                    <a:lstStyle/>
-                    <a:p>
-                      <a:pPr marL="0" marR="0">
-                        <a:lnSpc>
-                          <a:spcPct val="115000"/>
-                        </a:lnSpc>
-                        <a:spcBef>
-                          <a:spcPts val="0"/>
-                        </a:spcBef>
-                        <a:spcAft>
-                          <a:spcPts val="0"/>
-                        </a:spcAft>
-                      </a:pPr>
-                      <a:r>
-                        <a:rPr lang="en-US" sz="1000">
-                          <a:effectLst/>
-                        </a:rPr>
-                        <a:t>id</a:t>
-                      </a:r>
-                      <a:endParaRPr lang="en-US" sz="1000">
-                        <a:effectLst/>
-                        <a:latin typeface="Calibri" panose="020F0502020204030204" pitchFamily="34" charset="0"/>
-                        <a:ea typeface="Calibri" panose="020F0502020204030204" pitchFamily="34" charset="0"/>
-                        <a:cs typeface="Times New Roman" panose="02020603050405020304" pitchFamily="18" charset="0"/>
-                      </a:endParaRPr>
-                    </a:p>
-                  </a:txBody>
-                  <a:tcPr marL="51597" marR="51597" marT="0" marB="0"/>
-                </a:tc>
-                <a:tc>
-                  <a:txBody>
-                    <a:bodyPr/>
-                    <a:lstStyle/>
-                    <a:p>
-                      <a:pPr marL="0" marR="0">
-                        <a:lnSpc>
-                          <a:spcPct val="115000"/>
-                        </a:lnSpc>
-                        <a:spcBef>
-                          <a:spcPts val="0"/>
-                        </a:spcBef>
-                        <a:spcAft>
-                          <a:spcPts val="0"/>
-                        </a:spcAft>
-                      </a:pPr>
-                      <a:r>
-                        <a:rPr lang="en-US" sz="1000">
-                          <a:effectLst/>
-                        </a:rPr>
-                        <a:t>4</a:t>
-                      </a:r>
-                      <a:endParaRPr lang="en-US" sz="1000">
-                        <a:effectLst/>
-                        <a:latin typeface="Calibri" panose="020F0502020204030204" pitchFamily="34" charset="0"/>
-                        <a:ea typeface="Calibri" panose="020F0502020204030204" pitchFamily="34" charset="0"/>
-                        <a:cs typeface="Times New Roman" panose="02020603050405020304" pitchFamily="18" charset="0"/>
-                      </a:endParaRPr>
-                    </a:p>
-                  </a:txBody>
-                  <a:tcPr marL="51597" marR="51597" marT="0" marB="0"/>
-                </a:tc>
-                <a:extLst>
-                  <a:ext uri="{0D108BD9-81ED-4DB2-BD59-A6C34878D82A}">
-                    <a16:rowId xmlns:a16="http://schemas.microsoft.com/office/drawing/2014/main" val="852864869"/>
-                  </a:ext>
-                </a:extLst>
-              </a:tr>
-              <a:tr h="190796">
-                <a:tc>
-                  <a:txBody>
-                    <a:bodyPr/>
-                    <a:lstStyle/>
-                    <a:p>
-                      <a:pPr marL="0" marR="0">
-                        <a:lnSpc>
-                          <a:spcPct val="115000"/>
-                        </a:lnSpc>
-                        <a:spcBef>
-                          <a:spcPts val="0"/>
-                        </a:spcBef>
-                        <a:spcAft>
-                          <a:spcPts val="0"/>
-                        </a:spcAft>
-                      </a:pPr>
-                      <a:r>
-                        <a:rPr lang="en-US" sz="1000">
-                          <a:effectLst/>
-                        </a:rPr>
-                        <a:t>Scope</a:t>
-                      </a:r>
-                      <a:endParaRPr lang="en-US" sz="1000">
-                        <a:effectLst/>
-                        <a:latin typeface="Calibri" panose="020F0502020204030204" pitchFamily="34" charset="0"/>
-                        <a:ea typeface="Calibri" panose="020F0502020204030204" pitchFamily="34" charset="0"/>
-                        <a:cs typeface="Times New Roman" panose="02020603050405020304" pitchFamily="18" charset="0"/>
-                      </a:endParaRPr>
-                    </a:p>
-                  </a:txBody>
-                  <a:tcPr marL="51597" marR="51597" marT="0" marB="0"/>
-                </a:tc>
-                <a:tc>
-                  <a:txBody>
-                    <a:bodyPr/>
-                    <a:lstStyle/>
-                    <a:p>
-                      <a:pPr marL="0" marR="0">
-                        <a:lnSpc>
-                          <a:spcPct val="115000"/>
-                        </a:lnSpc>
-                        <a:spcBef>
-                          <a:spcPts val="0"/>
-                        </a:spcBef>
-                        <a:spcAft>
-                          <a:spcPts val="0"/>
-                        </a:spcAft>
-                      </a:pPr>
-                      <a:r>
-                        <a:rPr lang="en-US" sz="1000">
-                          <a:effectLst/>
-                        </a:rPr>
-                        <a:t>Quote System</a:t>
-                      </a:r>
-                      <a:endParaRPr lang="en-US" sz="1000">
-                        <a:effectLst/>
-                        <a:latin typeface="Calibri" panose="020F0502020204030204" pitchFamily="34" charset="0"/>
-                        <a:ea typeface="Calibri" panose="020F0502020204030204" pitchFamily="34" charset="0"/>
-                        <a:cs typeface="Times New Roman" panose="02020603050405020304" pitchFamily="18" charset="0"/>
-                      </a:endParaRPr>
-                    </a:p>
-                  </a:txBody>
-                  <a:tcPr marL="51597" marR="51597" marT="0" marB="0"/>
-                </a:tc>
-                <a:extLst>
-                  <a:ext uri="{0D108BD9-81ED-4DB2-BD59-A6C34878D82A}">
-                    <a16:rowId xmlns:a16="http://schemas.microsoft.com/office/drawing/2014/main" val="491197729"/>
-                  </a:ext>
-                </a:extLst>
-              </a:tr>
-              <a:tr h="190796">
-                <a:tc>
-                  <a:txBody>
-                    <a:bodyPr/>
-                    <a:lstStyle/>
-                    <a:p>
-                      <a:pPr marL="0" marR="0">
-                        <a:lnSpc>
-                          <a:spcPct val="115000"/>
-                        </a:lnSpc>
-                        <a:spcBef>
-                          <a:spcPts val="0"/>
-                        </a:spcBef>
-                        <a:spcAft>
-                          <a:spcPts val="0"/>
-                        </a:spcAft>
-                      </a:pPr>
-                      <a:r>
-                        <a:rPr lang="en-US" sz="1000">
-                          <a:effectLst/>
-                        </a:rPr>
-                        <a:t>Priority</a:t>
-                      </a:r>
-                      <a:endParaRPr lang="en-US" sz="1000">
-                        <a:effectLst/>
-                        <a:latin typeface="Calibri" panose="020F0502020204030204" pitchFamily="34" charset="0"/>
-                        <a:ea typeface="Calibri" panose="020F0502020204030204" pitchFamily="34" charset="0"/>
-                        <a:cs typeface="Times New Roman" panose="02020603050405020304" pitchFamily="18" charset="0"/>
-                      </a:endParaRPr>
-                    </a:p>
-                  </a:txBody>
-                  <a:tcPr marL="51597" marR="51597" marT="0" marB="0"/>
-                </a:tc>
-                <a:tc>
-                  <a:txBody>
-                    <a:bodyPr/>
-                    <a:lstStyle/>
-                    <a:p>
-                      <a:pPr marL="0" marR="0">
-                        <a:lnSpc>
-                          <a:spcPct val="115000"/>
-                        </a:lnSpc>
-                        <a:spcBef>
-                          <a:spcPts val="0"/>
-                        </a:spcBef>
-                        <a:spcAft>
-                          <a:spcPts val="0"/>
-                        </a:spcAft>
-                      </a:pPr>
-                      <a:r>
-                        <a:rPr lang="en-US" sz="1000">
-                          <a:effectLst/>
-                        </a:rPr>
-                        <a:t>High</a:t>
-                      </a:r>
-                      <a:endParaRPr lang="en-US" sz="1000">
-                        <a:effectLst/>
-                        <a:latin typeface="Calibri" panose="020F0502020204030204" pitchFamily="34" charset="0"/>
-                        <a:ea typeface="Calibri" panose="020F0502020204030204" pitchFamily="34" charset="0"/>
-                        <a:cs typeface="Times New Roman" panose="02020603050405020304" pitchFamily="18" charset="0"/>
-                      </a:endParaRPr>
-                    </a:p>
-                  </a:txBody>
-                  <a:tcPr marL="51597" marR="51597" marT="0" marB="0"/>
-                </a:tc>
-                <a:extLst>
-                  <a:ext uri="{0D108BD9-81ED-4DB2-BD59-A6C34878D82A}">
-                    <a16:rowId xmlns:a16="http://schemas.microsoft.com/office/drawing/2014/main" val="1156144514"/>
-                  </a:ext>
-                </a:extLst>
-              </a:tr>
-              <a:tr h="190796">
-                <a:tc>
-                  <a:txBody>
-                    <a:bodyPr/>
-                    <a:lstStyle/>
-                    <a:p>
-                      <a:pPr marL="0" marR="0">
-                        <a:lnSpc>
-                          <a:spcPct val="115000"/>
-                        </a:lnSpc>
-                        <a:spcBef>
-                          <a:spcPts val="0"/>
-                        </a:spcBef>
-                        <a:spcAft>
-                          <a:spcPts val="0"/>
-                        </a:spcAft>
-                      </a:pPr>
-                      <a:r>
-                        <a:rPr lang="en-US" sz="1000">
-                          <a:effectLst/>
-                        </a:rPr>
-                        <a:t>Summary</a:t>
-                      </a:r>
-                      <a:endParaRPr lang="en-US" sz="1000">
-                        <a:effectLst/>
-                        <a:latin typeface="Calibri" panose="020F0502020204030204" pitchFamily="34" charset="0"/>
-                        <a:ea typeface="Calibri" panose="020F0502020204030204" pitchFamily="34" charset="0"/>
-                        <a:cs typeface="Times New Roman" panose="02020603050405020304" pitchFamily="18" charset="0"/>
-                      </a:endParaRPr>
-                    </a:p>
-                  </a:txBody>
-                  <a:tcPr marL="51597" marR="51597" marT="0" marB="0"/>
-                </a:tc>
-                <a:tc>
-                  <a:txBody>
-                    <a:bodyPr/>
-                    <a:lstStyle/>
-                    <a:p>
-                      <a:pPr marL="0" marR="0">
-                        <a:lnSpc>
-                          <a:spcPct val="115000"/>
-                        </a:lnSpc>
-                        <a:spcBef>
-                          <a:spcPts val="0"/>
-                        </a:spcBef>
-                        <a:spcAft>
-                          <a:spcPts val="0"/>
-                        </a:spcAft>
-                      </a:pPr>
-                      <a:r>
-                        <a:rPr lang="en-US" sz="1000">
-                          <a:effectLst/>
-                        </a:rPr>
-                        <a:t>The Admin can manage records of sales associate and quote information.</a:t>
-                      </a:r>
-                      <a:endParaRPr lang="en-US" sz="1000">
-                        <a:effectLst/>
-                        <a:latin typeface="Calibri" panose="020F0502020204030204" pitchFamily="34" charset="0"/>
-                        <a:ea typeface="Calibri" panose="020F0502020204030204" pitchFamily="34" charset="0"/>
-                        <a:cs typeface="Times New Roman" panose="02020603050405020304" pitchFamily="18" charset="0"/>
-                      </a:endParaRPr>
-                    </a:p>
-                  </a:txBody>
-                  <a:tcPr marL="51597" marR="51597" marT="0" marB="0"/>
-                </a:tc>
-                <a:extLst>
-                  <a:ext uri="{0D108BD9-81ED-4DB2-BD59-A6C34878D82A}">
-                    <a16:rowId xmlns:a16="http://schemas.microsoft.com/office/drawing/2014/main" val="1901014884"/>
-                  </a:ext>
-                </a:extLst>
-              </a:tr>
-              <a:tr h="190796">
-                <a:tc>
-                  <a:txBody>
-                    <a:bodyPr/>
-                    <a:lstStyle/>
-                    <a:p>
-                      <a:pPr marL="0" marR="0">
-                        <a:lnSpc>
-                          <a:spcPct val="115000"/>
-                        </a:lnSpc>
-                        <a:spcBef>
-                          <a:spcPts val="0"/>
-                        </a:spcBef>
-                        <a:spcAft>
-                          <a:spcPts val="0"/>
-                        </a:spcAft>
-                      </a:pPr>
-                      <a:r>
-                        <a:rPr lang="en-US" sz="1000">
-                          <a:effectLst/>
-                        </a:rPr>
-                        <a:t>Primary Actor</a:t>
-                      </a:r>
-                      <a:endParaRPr lang="en-US" sz="1000">
-                        <a:effectLst/>
-                        <a:latin typeface="Calibri" panose="020F0502020204030204" pitchFamily="34" charset="0"/>
-                        <a:ea typeface="Calibri" panose="020F0502020204030204" pitchFamily="34" charset="0"/>
-                        <a:cs typeface="Times New Roman" panose="02020603050405020304" pitchFamily="18" charset="0"/>
-                      </a:endParaRPr>
-                    </a:p>
-                  </a:txBody>
-                  <a:tcPr marL="51597" marR="51597" marT="0" marB="0"/>
-                </a:tc>
-                <a:tc>
-                  <a:txBody>
-                    <a:bodyPr/>
-                    <a:lstStyle/>
-                    <a:p>
-                      <a:pPr marL="0" marR="0">
-                        <a:lnSpc>
-                          <a:spcPct val="115000"/>
-                        </a:lnSpc>
-                        <a:spcBef>
-                          <a:spcPts val="0"/>
-                        </a:spcBef>
-                        <a:spcAft>
-                          <a:spcPts val="0"/>
-                        </a:spcAft>
-                      </a:pPr>
-                      <a:r>
-                        <a:rPr lang="en-US" sz="1000">
-                          <a:effectLst/>
-                        </a:rPr>
-                        <a:t>Admin</a:t>
-                      </a:r>
-                      <a:endParaRPr lang="en-US" sz="1000">
-                        <a:effectLst/>
-                        <a:latin typeface="Calibri" panose="020F0502020204030204" pitchFamily="34" charset="0"/>
-                        <a:ea typeface="Calibri" panose="020F0502020204030204" pitchFamily="34" charset="0"/>
-                        <a:cs typeface="Times New Roman" panose="02020603050405020304" pitchFamily="18" charset="0"/>
-                      </a:endParaRPr>
-                    </a:p>
-                  </a:txBody>
-                  <a:tcPr marL="51597" marR="51597" marT="0" marB="0"/>
-                </a:tc>
-                <a:extLst>
-                  <a:ext uri="{0D108BD9-81ED-4DB2-BD59-A6C34878D82A}">
-                    <a16:rowId xmlns:a16="http://schemas.microsoft.com/office/drawing/2014/main" val="2485645069"/>
-                  </a:ext>
-                </a:extLst>
-              </a:tr>
-              <a:tr h="190796">
-                <a:tc>
-                  <a:txBody>
-                    <a:bodyPr/>
-                    <a:lstStyle/>
-                    <a:p>
-                      <a:pPr marL="0" marR="0">
-                        <a:lnSpc>
-                          <a:spcPct val="115000"/>
-                        </a:lnSpc>
-                        <a:spcBef>
-                          <a:spcPts val="0"/>
-                        </a:spcBef>
-                        <a:spcAft>
-                          <a:spcPts val="0"/>
-                        </a:spcAft>
-                      </a:pPr>
-                      <a:r>
-                        <a:rPr lang="en-US" sz="1000">
-                          <a:effectLst/>
-                        </a:rPr>
-                        <a:t>Supporting Actor(s)</a:t>
-                      </a:r>
-                      <a:endParaRPr lang="en-US" sz="1000">
-                        <a:effectLst/>
-                        <a:latin typeface="Calibri" panose="020F0502020204030204" pitchFamily="34" charset="0"/>
-                        <a:ea typeface="Calibri" panose="020F0502020204030204" pitchFamily="34" charset="0"/>
-                        <a:cs typeface="Times New Roman" panose="02020603050405020304" pitchFamily="18" charset="0"/>
-                      </a:endParaRPr>
-                    </a:p>
-                  </a:txBody>
-                  <a:tcPr marL="51597" marR="51597" marT="0" marB="0"/>
-                </a:tc>
-                <a:tc>
-                  <a:txBody>
-                    <a:bodyPr/>
-                    <a:lstStyle/>
-                    <a:p>
-                      <a:pPr marL="0" marR="0">
-                        <a:lnSpc>
-                          <a:spcPct val="115000"/>
-                        </a:lnSpc>
-                        <a:spcBef>
-                          <a:spcPts val="0"/>
-                        </a:spcBef>
-                        <a:spcAft>
-                          <a:spcPts val="0"/>
-                        </a:spcAft>
-                      </a:pPr>
-                      <a:r>
-                        <a:rPr lang="en-US" sz="1000">
-                          <a:effectLst/>
-                        </a:rPr>
-                        <a:t>N/A</a:t>
-                      </a:r>
-                      <a:endParaRPr lang="en-US" sz="1000">
-                        <a:effectLst/>
-                        <a:latin typeface="Calibri" panose="020F0502020204030204" pitchFamily="34" charset="0"/>
-                        <a:ea typeface="Calibri" panose="020F0502020204030204" pitchFamily="34" charset="0"/>
-                        <a:cs typeface="Times New Roman" panose="02020603050405020304" pitchFamily="18" charset="0"/>
-                      </a:endParaRPr>
-                    </a:p>
-                  </a:txBody>
-                  <a:tcPr marL="51597" marR="51597" marT="0" marB="0"/>
-                </a:tc>
-                <a:extLst>
-                  <a:ext uri="{0D108BD9-81ED-4DB2-BD59-A6C34878D82A}">
-                    <a16:rowId xmlns:a16="http://schemas.microsoft.com/office/drawing/2014/main" val="1874885800"/>
-                  </a:ext>
-                </a:extLst>
-              </a:tr>
-              <a:tr h="190796">
-                <a:tc>
-                  <a:txBody>
-                    <a:bodyPr/>
-                    <a:lstStyle/>
-                    <a:p>
-                      <a:pPr marL="0" marR="0">
-                        <a:lnSpc>
-                          <a:spcPct val="115000"/>
-                        </a:lnSpc>
-                        <a:spcBef>
-                          <a:spcPts val="0"/>
-                        </a:spcBef>
-                        <a:spcAft>
-                          <a:spcPts val="0"/>
-                        </a:spcAft>
-                      </a:pPr>
-                      <a:r>
-                        <a:rPr lang="en-US" sz="1000">
-                          <a:effectLst/>
-                        </a:rPr>
-                        <a:t>Stakeholders</a:t>
-                      </a:r>
-                      <a:endParaRPr lang="en-US" sz="1000">
-                        <a:effectLst/>
-                        <a:latin typeface="Calibri" panose="020F0502020204030204" pitchFamily="34" charset="0"/>
-                        <a:ea typeface="Calibri" panose="020F0502020204030204" pitchFamily="34" charset="0"/>
-                        <a:cs typeface="Times New Roman" panose="02020603050405020304" pitchFamily="18" charset="0"/>
-                      </a:endParaRPr>
-                    </a:p>
-                  </a:txBody>
-                  <a:tcPr marL="51597" marR="51597" marT="0" marB="0"/>
-                </a:tc>
-                <a:tc>
-                  <a:txBody>
-                    <a:bodyPr/>
-                    <a:lstStyle/>
-                    <a:p>
-                      <a:pPr marL="0" marR="0">
-                        <a:lnSpc>
-                          <a:spcPct val="115000"/>
-                        </a:lnSpc>
-                        <a:spcBef>
-                          <a:spcPts val="0"/>
-                        </a:spcBef>
-                        <a:spcAft>
-                          <a:spcPts val="0"/>
-                        </a:spcAft>
-                      </a:pPr>
-                      <a:r>
-                        <a:rPr lang="en-US" sz="1000">
-                          <a:effectLst/>
-                        </a:rPr>
-                        <a:t>N/A</a:t>
-                      </a:r>
-                      <a:endParaRPr lang="en-US" sz="1000">
-                        <a:effectLst/>
-                        <a:latin typeface="Calibri" panose="020F0502020204030204" pitchFamily="34" charset="0"/>
-                        <a:ea typeface="Calibri" panose="020F0502020204030204" pitchFamily="34" charset="0"/>
-                        <a:cs typeface="Times New Roman" panose="02020603050405020304" pitchFamily="18" charset="0"/>
-                      </a:endParaRPr>
-                    </a:p>
-                  </a:txBody>
-                  <a:tcPr marL="51597" marR="51597" marT="0" marB="0"/>
-                </a:tc>
-                <a:extLst>
-                  <a:ext uri="{0D108BD9-81ED-4DB2-BD59-A6C34878D82A}">
-                    <a16:rowId xmlns:a16="http://schemas.microsoft.com/office/drawing/2014/main" val="3211573938"/>
-                  </a:ext>
-                </a:extLst>
-              </a:tr>
-              <a:tr h="190796">
-                <a:tc>
-                  <a:txBody>
-                    <a:bodyPr/>
-                    <a:lstStyle/>
-                    <a:p>
-                      <a:pPr marL="0" marR="0">
-                        <a:lnSpc>
-                          <a:spcPct val="115000"/>
-                        </a:lnSpc>
-                        <a:spcBef>
-                          <a:spcPts val="0"/>
-                        </a:spcBef>
-                        <a:spcAft>
-                          <a:spcPts val="0"/>
-                        </a:spcAft>
-                      </a:pPr>
-                      <a:r>
-                        <a:rPr lang="en-US" sz="1000">
-                          <a:effectLst/>
-                        </a:rPr>
-                        <a:t>Generalization</a:t>
-                      </a:r>
-                      <a:endParaRPr lang="en-US" sz="1000">
-                        <a:effectLst/>
-                        <a:latin typeface="Calibri" panose="020F0502020204030204" pitchFamily="34" charset="0"/>
-                        <a:ea typeface="Calibri" panose="020F0502020204030204" pitchFamily="34" charset="0"/>
-                        <a:cs typeface="Times New Roman" panose="02020603050405020304" pitchFamily="18" charset="0"/>
-                      </a:endParaRPr>
-                    </a:p>
-                  </a:txBody>
-                  <a:tcPr marL="51597" marR="51597" marT="0" marB="0"/>
-                </a:tc>
-                <a:tc>
-                  <a:txBody>
-                    <a:bodyPr/>
-                    <a:lstStyle/>
-                    <a:p>
-                      <a:pPr marL="0" marR="0">
-                        <a:lnSpc>
-                          <a:spcPct val="115000"/>
-                        </a:lnSpc>
-                        <a:spcBef>
-                          <a:spcPts val="0"/>
-                        </a:spcBef>
-                        <a:spcAft>
-                          <a:spcPts val="0"/>
-                        </a:spcAft>
-                      </a:pPr>
-                      <a:r>
-                        <a:rPr lang="en-US" sz="1000">
-                          <a:effectLst/>
-                        </a:rPr>
-                        <a:t>N/A</a:t>
-                      </a:r>
-                      <a:endParaRPr lang="en-US" sz="1000">
-                        <a:effectLst/>
-                        <a:latin typeface="Calibri" panose="020F0502020204030204" pitchFamily="34" charset="0"/>
-                        <a:ea typeface="Calibri" panose="020F0502020204030204" pitchFamily="34" charset="0"/>
-                        <a:cs typeface="Times New Roman" panose="02020603050405020304" pitchFamily="18" charset="0"/>
-                      </a:endParaRPr>
-                    </a:p>
-                  </a:txBody>
-                  <a:tcPr marL="51597" marR="51597" marT="0" marB="0"/>
-                </a:tc>
-                <a:extLst>
-                  <a:ext uri="{0D108BD9-81ED-4DB2-BD59-A6C34878D82A}">
-                    <a16:rowId xmlns:a16="http://schemas.microsoft.com/office/drawing/2014/main" val="3006587413"/>
-                  </a:ext>
-                </a:extLst>
-              </a:tr>
-              <a:tr h="190796">
-                <a:tc>
-                  <a:txBody>
-                    <a:bodyPr/>
-                    <a:lstStyle/>
-                    <a:p>
-                      <a:pPr marL="0" marR="0">
-                        <a:lnSpc>
-                          <a:spcPct val="115000"/>
-                        </a:lnSpc>
-                        <a:spcBef>
-                          <a:spcPts val="0"/>
-                        </a:spcBef>
-                        <a:spcAft>
-                          <a:spcPts val="0"/>
-                        </a:spcAft>
-                      </a:pPr>
-                      <a:r>
-                        <a:rPr lang="en-US" sz="1000">
-                          <a:effectLst/>
-                        </a:rPr>
-                        <a:t>Include</a:t>
-                      </a:r>
-                      <a:endParaRPr lang="en-US" sz="1000">
-                        <a:effectLst/>
-                        <a:latin typeface="Calibri" panose="020F0502020204030204" pitchFamily="34" charset="0"/>
-                        <a:ea typeface="Calibri" panose="020F0502020204030204" pitchFamily="34" charset="0"/>
-                        <a:cs typeface="Times New Roman" panose="02020603050405020304" pitchFamily="18" charset="0"/>
-                      </a:endParaRPr>
-                    </a:p>
-                  </a:txBody>
-                  <a:tcPr marL="51597" marR="51597" marT="0" marB="0"/>
-                </a:tc>
-                <a:tc>
-                  <a:txBody>
-                    <a:bodyPr/>
-                    <a:lstStyle/>
-                    <a:p>
-                      <a:pPr marL="0" marR="0">
-                        <a:lnSpc>
-                          <a:spcPct val="115000"/>
-                        </a:lnSpc>
-                        <a:spcBef>
-                          <a:spcPts val="0"/>
-                        </a:spcBef>
-                        <a:spcAft>
-                          <a:spcPts val="0"/>
-                        </a:spcAft>
-                      </a:pPr>
-                      <a:r>
-                        <a:rPr lang="en-US" sz="1000">
-                          <a:effectLst/>
-                        </a:rPr>
-                        <a:t>N/A</a:t>
-                      </a:r>
-                      <a:endParaRPr lang="en-US" sz="1000">
-                        <a:effectLst/>
-                        <a:latin typeface="Calibri" panose="020F0502020204030204" pitchFamily="34" charset="0"/>
-                        <a:ea typeface="Calibri" panose="020F0502020204030204" pitchFamily="34" charset="0"/>
-                        <a:cs typeface="Times New Roman" panose="02020603050405020304" pitchFamily="18" charset="0"/>
-                      </a:endParaRPr>
-                    </a:p>
-                  </a:txBody>
-                  <a:tcPr marL="51597" marR="51597" marT="0" marB="0"/>
-                </a:tc>
-                <a:extLst>
-                  <a:ext uri="{0D108BD9-81ED-4DB2-BD59-A6C34878D82A}">
-                    <a16:rowId xmlns:a16="http://schemas.microsoft.com/office/drawing/2014/main" val="2473033650"/>
-                  </a:ext>
-                </a:extLst>
-              </a:tr>
-              <a:tr h="190796">
-                <a:tc>
-                  <a:txBody>
-                    <a:bodyPr/>
-                    <a:lstStyle/>
-                    <a:p>
-                      <a:pPr marL="0" marR="0">
-                        <a:lnSpc>
-                          <a:spcPct val="115000"/>
-                        </a:lnSpc>
-                        <a:spcBef>
-                          <a:spcPts val="0"/>
-                        </a:spcBef>
-                        <a:spcAft>
-                          <a:spcPts val="0"/>
-                        </a:spcAft>
-                      </a:pPr>
-                      <a:r>
-                        <a:rPr lang="en-US" sz="1000">
-                          <a:effectLst/>
-                        </a:rPr>
-                        <a:t>Extend</a:t>
-                      </a:r>
-                      <a:endParaRPr lang="en-US" sz="1000">
-                        <a:effectLst/>
-                        <a:latin typeface="Calibri" panose="020F0502020204030204" pitchFamily="34" charset="0"/>
-                        <a:ea typeface="Calibri" panose="020F0502020204030204" pitchFamily="34" charset="0"/>
-                        <a:cs typeface="Times New Roman" panose="02020603050405020304" pitchFamily="18" charset="0"/>
-                      </a:endParaRPr>
-                    </a:p>
-                  </a:txBody>
-                  <a:tcPr marL="51597" marR="51597" marT="0" marB="0"/>
-                </a:tc>
-                <a:tc>
-                  <a:txBody>
-                    <a:bodyPr/>
-                    <a:lstStyle/>
-                    <a:p>
-                      <a:pPr marL="0" marR="0">
-                        <a:lnSpc>
-                          <a:spcPct val="115000"/>
-                        </a:lnSpc>
-                        <a:spcBef>
-                          <a:spcPts val="0"/>
-                        </a:spcBef>
-                        <a:spcAft>
-                          <a:spcPts val="0"/>
-                        </a:spcAft>
-                      </a:pPr>
-                      <a:r>
-                        <a:rPr lang="en-US" sz="1000">
-                          <a:effectLst/>
-                        </a:rPr>
-                        <a:t>N/A</a:t>
-                      </a:r>
-                      <a:endParaRPr lang="en-US" sz="1000">
-                        <a:effectLst/>
-                        <a:latin typeface="Calibri" panose="020F0502020204030204" pitchFamily="34" charset="0"/>
-                        <a:ea typeface="Calibri" panose="020F0502020204030204" pitchFamily="34" charset="0"/>
-                        <a:cs typeface="Times New Roman" panose="02020603050405020304" pitchFamily="18" charset="0"/>
-                      </a:endParaRPr>
-                    </a:p>
-                  </a:txBody>
-                  <a:tcPr marL="51597" marR="51597" marT="0" marB="0"/>
-                </a:tc>
-                <a:extLst>
-                  <a:ext uri="{0D108BD9-81ED-4DB2-BD59-A6C34878D82A}">
-                    <a16:rowId xmlns:a16="http://schemas.microsoft.com/office/drawing/2014/main" val="2942941914"/>
-                  </a:ext>
-                </a:extLst>
-              </a:tr>
-              <a:tr h="190796">
-                <a:tc>
-                  <a:txBody>
-                    <a:bodyPr/>
-                    <a:lstStyle/>
-                    <a:p>
-                      <a:pPr marL="0" marR="0">
-                        <a:lnSpc>
-                          <a:spcPct val="115000"/>
-                        </a:lnSpc>
-                        <a:spcBef>
-                          <a:spcPts val="0"/>
-                        </a:spcBef>
-                        <a:spcAft>
-                          <a:spcPts val="0"/>
-                        </a:spcAft>
-                      </a:pPr>
-                      <a:r>
-                        <a:rPr lang="en-US" sz="1000">
-                          <a:effectLst/>
-                        </a:rPr>
-                        <a:t>Precondition</a:t>
-                      </a:r>
-                      <a:endParaRPr lang="en-US" sz="1000">
-                        <a:effectLst/>
-                        <a:latin typeface="Calibri" panose="020F0502020204030204" pitchFamily="34" charset="0"/>
-                        <a:ea typeface="Calibri" panose="020F0502020204030204" pitchFamily="34" charset="0"/>
-                        <a:cs typeface="Times New Roman" panose="02020603050405020304" pitchFamily="18" charset="0"/>
-                      </a:endParaRPr>
-                    </a:p>
-                  </a:txBody>
-                  <a:tcPr marL="51597" marR="51597" marT="0" marB="0"/>
-                </a:tc>
-                <a:tc>
-                  <a:txBody>
-                    <a:bodyPr/>
-                    <a:lstStyle/>
-                    <a:p>
-                      <a:pPr marL="0" marR="0">
-                        <a:lnSpc>
-                          <a:spcPct val="115000"/>
-                        </a:lnSpc>
-                        <a:spcBef>
-                          <a:spcPts val="0"/>
-                        </a:spcBef>
-                        <a:spcAft>
-                          <a:spcPts val="0"/>
-                        </a:spcAft>
-                      </a:pPr>
-                      <a:r>
-                        <a:rPr lang="en-US" sz="1000">
-                          <a:effectLst/>
-                        </a:rPr>
-                        <a:t>N/A</a:t>
-                      </a:r>
-                      <a:endParaRPr lang="en-US" sz="1000">
-                        <a:effectLst/>
-                        <a:latin typeface="Calibri" panose="020F0502020204030204" pitchFamily="34" charset="0"/>
-                        <a:ea typeface="Calibri" panose="020F0502020204030204" pitchFamily="34" charset="0"/>
-                        <a:cs typeface="Times New Roman" panose="02020603050405020304" pitchFamily="18" charset="0"/>
-                      </a:endParaRPr>
-                    </a:p>
-                  </a:txBody>
-                  <a:tcPr marL="51597" marR="51597" marT="0" marB="0"/>
-                </a:tc>
-                <a:extLst>
-                  <a:ext uri="{0D108BD9-81ED-4DB2-BD59-A6C34878D82A}">
-                    <a16:rowId xmlns:a16="http://schemas.microsoft.com/office/drawing/2014/main" val="3047710717"/>
-                  </a:ext>
-                </a:extLst>
-              </a:tr>
-              <a:tr h="190796">
-                <a:tc>
-                  <a:txBody>
-                    <a:bodyPr/>
-                    <a:lstStyle/>
-                    <a:p>
-                      <a:pPr marL="0" marR="0">
-                        <a:lnSpc>
-                          <a:spcPct val="115000"/>
-                        </a:lnSpc>
-                        <a:spcBef>
-                          <a:spcPts val="0"/>
-                        </a:spcBef>
-                        <a:spcAft>
-                          <a:spcPts val="0"/>
-                        </a:spcAft>
-                      </a:pPr>
-                      <a:r>
-                        <a:rPr lang="en-US" sz="1000">
-                          <a:effectLst/>
-                        </a:rPr>
-                        <a:t>Trigger</a:t>
-                      </a:r>
-                      <a:endParaRPr lang="en-US" sz="1000">
-                        <a:effectLst/>
-                        <a:latin typeface="Calibri" panose="020F0502020204030204" pitchFamily="34" charset="0"/>
-                        <a:ea typeface="Calibri" panose="020F0502020204030204" pitchFamily="34" charset="0"/>
-                        <a:cs typeface="Times New Roman" panose="02020603050405020304" pitchFamily="18" charset="0"/>
-                      </a:endParaRPr>
-                    </a:p>
-                  </a:txBody>
-                  <a:tcPr marL="51597" marR="51597" marT="0" marB="0"/>
-                </a:tc>
-                <a:tc>
-                  <a:txBody>
-                    <a:bodyPr/>
-                    <a:lstStyle/>
-                    <a:p>
-                      <a:pPr marL="0" marR="0">
-                        <a:lnSpc>
-                          <a:spcPct val="115000"/>
-                        </a:lnSpc>
-                        <a:spcBef>
-                          <a:spcPts val="0"/>
-                        </a:spcBef>
-                        <a:spcAft>
-                          <a:spcPts val="0"/>
-                        </a:spcAft>
-                      </a:pPr>
-                      <a:r>
-                        <a:rPr lang="en-US" sz="1000">
-                          <a:effectLst/>
-                        </a:rPr>
-                        <a:t>N/A</a:t>
-                      </a:r>
-                      <a:endParaRPr lang="en-US" sz="1000">
-                        <a:effectLst/>
-                        <a:latin typeface="Calibri" panose="020F0502020204030204" pitchFamily="34" charset="0"/>
-                        <a:ea typeface="Calibri" panose="020F0502020204030204" pitchFamily="34" charset="0"/>
-                        <a:cs typeface="Times New Roman" panose="02020603050405020304" pitchFamily="18" charset="0"/>
-                      </a:endParaRPr>
-                    </a:p>
-                  </a:txBody>
-                  <a:tcPr marL="51597" marR="51597" marT="0" marB="0"/>
-                </a:tc>
-                <a:extLst>
-                  <a:ext uri="{0D108BD9-81ED-4DB2-BD59-A6C34878D82A}">
-                    <a16:rowId xmlns:a16="http://schemas.microsoft.com/office/drawing/2014/main" val="1870317844"/>
-                  </a:ext>
-                </a:extLst>
-              </a:tr>
-              <a:tr h="1907958">
-                <a:tc>
-                  <a:txBody>
-                    <a:bodyPr/>
-                    <a:lstStyle/>
-                    <a:p>
-                      <a:pPr marL="0" marR="0">
-                        <a:lnSpc>
-                          <a:spcPct val="115000"/>
-                        </a:lnSpc>
-                        <a:spcBef>
-                          <a:spcPts val="0"/>
-                        </a:spcBef>
-                        <a:spcAft>
-                          <a:spcPts val="0"/>
-                        </a:spcAft>
-                      </a:pPr>
-                      <a:r>
-                        <a:rPr lang="en-US" sz="1000">
-                          <a:effectLst/>
-                        </a:rPr>
-                        <a:t>Normal Flow</a:t>
-                      </a:r>
-                      <a:endParaRPr lang="en-US" sz="1000">
-                        <a:effectLst/>
-                        <a:latin typeface="Calibri" panose="020F0502020204030204" pitchFamily="34" charset="0"/>
-                        <a:ea typeface="Calibri" panose="020F0502020204030204" pitchFamily="34" charset="0"/>
-                        <a:cs typeface="Times New Roman" panose="02020603050405020304" pitchFamily="18" charset="0"/>
-                      </a:endParaRPr>
-                    </a:p>
-                  </a:txBody>
-                  <a:tcPr marL="51597" marR="51597" marT="0" marB="0"/>
-                </a:tc>
-                <a:tc>
-                  <a:txBody>
-                    <a:bodyPr/>
-                    <a:lstStyle/>
-                    <a:p>
-                      <a:pPr marL="342900" marR="0" lvl="0" indent="-342900">
-                        <a:lnSpc>
-                          <a:spcPct val="115000"/>
-                        </a:lnSpc>
-                        <a:spcBef>
-                          <a:spcPts val="0"/>
-                        </a:spcBef>
-                        <a:spcAft>
-                          <a:spcPts val="0"/>
-                        </a:spcAft>
-                        <a:buFont typeface="+mj-lt"/>
-                        <a:buAutoNum type="arabicPeriod"/>
-                      </a:pPr>
-                      <a:r>
-                        <a:rPr lang="en-US" sz="1000">
-                          <a:effectLst/>
-                        </a:rPr>
-                        <a:t>System asks Admin to either manage sales associates or quotes</a:t>
-                      </a:r>
-                    </a:p>
-                    <a:p>
-                      <a:pPr marL="342900" marR="0" lvl="0" indent="-342900">
-                        <a:lnSpc>
-                          <a:spcPct val="115000"/>
-                        </a:lnSpc>
-                        <a:spcBef>
-                          <a:spcPts val="0"/>
-                        </a:spcBef>
-                        <a:spcAft>
-                          <a:spcPts val="0"/>
-                        </a:spcAft>
-                        <a:buFont typeface="+mj-lt"/>
-                        <a:buAutoNum type="arabicPeriod"/>
-                      </a:pPr>
-                      <a:r>
-                        <a:rPr lang="en-US" sz="1000">
-                          <a:effectLst/>
-                        </a:rPr>
-                        <a:t>Admin selects option</a:t>
-                      </a:r>
-                    </a:p>
-                    <a:p>
-                      <a:pPr marL="342900" marR="0" lvl="0" indent="-342900">
-                        <a:lnSpc>
-                          <a:spcPct val="115000"/>
-                        </a:lnSpc>
-                        <a:spcBef>
-                          <a:spcPts val="0"/>
-                        </a:spcBef>
-                        <a:spcAft>
-                          <a:spcPts val="0"/>
-                        </a:spcAft>
-                        <a:buFont typeface="+mj-lt"/>
-                        <a:buAutoNum type="arabicPeriod"/>
-                      </a:pPr>
-                      <a:r>
-                        <a:rPr lang="en-US" sz="1000">
-                          <a:effectLst/>
-                        </a:rPr>
-                        <a:t>System queries database for list of sales associates</a:t>
-                      </a:r>
-                    </a:p>
-                    <a:p>
-                      <a:pPr marL="342900" marR="0" lvl="0" indent="-342900">
-                        <a:lnSpc>
-                          <a:spcPct val="115000"/>
-                        </a:lnSpc>
-                        <a:spcBef>
-                          <a:spcPts val="0"/>
-                        </a:spcBef>
-                        <a:spcAft>
-                          <a:spcPts val="0"/>
-                        </a:spcAft>
-                        <a:buFont typeface="+mj-lt"/>
-                        <a:buAutoNum type="arabicPeriod"/>
-                      </a:pPr>
-                      <a:r>
-                        <a:rPr lang="en-US" sz="1000">
-                          <a:effectLst/>
-                        </a:rPr>
-                        <a:t>System displays a list of sales associates</a:t>
-                      </a:r>
-                    </a:p>
-                    <a:p>
-                      <a:pPr marL="342900" marR="0" lvl="0" indent="-342900">
-                        <a:lnSpc>
-                          <a:spcPct val="115000"/>
-                        </a:lnSpc>
-                        <a:spcBef>
-                          <a:spcPts val="0"/>
-                        </a:spcBef>
-                        <a:spcAft>
-                          <a:spcPts val="0"/>
-                        </a:spcAft>
-                        <a:buFont typeface="+mj-lt"/>
-                        <a:buAutoNum type="arabicPeriod"/>
-                      </a:pPr>
-                      <a:r>
-                        <a:rPr lang="en-US" sz="1000">
-                          <a:effectLst/>
-                        </a:rPr>
-                        <a:t>Admin select the one to edit</a:t>
-                      </a:r>
-                    </a:p>
-                    <a:p>
-                      <a:pPr marL="342900" marR="0" lvl="0" indent="-342900">
-                        <a:lnSpc>
-                          <a:spcPct val="115000"/>
-                        </a:lnSpc>
-                        <a:spcBef>
-                          <a:spcPts val="0"/>
-                        </a:spcBef>
-                        <a:spcAft>
-                          <a:spcPts val="0"/>
-                        </a:spcAft>
-                        <a:buFont typeface="+mj-lt"/>
-                        <a:buAutoNum type="arabicPeriod"/>
-                      </a:pPr>
-                      <a:r>
-                        <a:rPr lang="en-US" sz="1000">
-                          <a:effectLst/>
-                        </a:rPr>
-                        <a:t>System displays all the information about the sales associates</a:t>
-                      </a:r>
-                    </a:p>
-                    <a:p>
-                      <a:pPr marL="342900" marR="0" lvl="0" indent="-342900">
-                        <a:lnSpc>
-                          <a:spcPct val="115000"/>
-                        </a:lnSpc>
-                        <a:spcBef>
-                          <a:spcPts val="0"/>
-                        </a:spcBef>
-                        <a:spcAft>
-                          <a:spcPts val="0"/>
-                        </a:spcAft>
-                        <a:buFont typeface="+mj-lt"/>
-                        <a:buAutoNum type="arabicPeriod"/>
-                      </a:pPr>
-                      <a:r>
-                        <a:rPr lang="en-US" sz="1000">
-                          <a:effectLst/>
-                        </a:rPr>
-                        <a:t>Admin updates needed information</a:t>
-                      </a:r>
-                    </a:p>
-                    <a:p>
-                      <a:pPr marL="342900" marR="0" lvl="0" indent="-342900">
-                        <a:lnSpc>
-                          <a:spcPct val="115000"/>
-                        </a:lnSpc>
-                        <a:spcBef>
-                          <a:spcPts val="0"/>
-                        </a:spcBef>
-                        <a:spcAft>
-                          <a:spcPts val="0"/>
-                        </a:spcAft>
-                        <a:buFont typeface="+mj-lt"/>
-                        <a:buAutoNum type="arabicPeriod"/>
-                      </a:pPr>
-                      <a:r>
-                        <a:rPr lang="en-US" sz="1000">
-                          <a:effectLst/>
-                        </a:rPr>
-                        <a:t>System askes Admin if they want to save changes</a:t>
-                      </a:r>
-                    </a:p>
-                    <a:p>
-                      <a:pPr marL="342900" marR="0" lvl="0" indent="-342900">
-                        <a:lnSpc>
-                          <a:spcPct val="115000"/>
-                        </a:lnSpc>
-                        <a:spcBef>
-                          <a:spcPts val="0"/>
-                        </a:spcBef>
-                        <a:spcAft>
-                          <a:spcPts val="0"/>
-                        </a:spcAft>
-                        <a:buFont typeface="+mj-lt"/>
-                        <a:buAutoNum type="arabicPeriod"/>
-                      </a:pPr>
-                      <a:r>
-                        <a:rPr lang="en-US" sz="1000">
-                          <a:effectLst/>
-                        </a:rPr>
-                        <a:t>System selects choice</a:t>
-                      </a:r>
-                    </a:p>
-                    <a:p>
-                      <a:pPr marL="342900" marR="0" lvl="0" indent="-342900">
-                        <a:lnSpc>
-                          <a:spcPct val="115000"/>
-                        </a:lnSpc>
-                        <a:spcBef>
-                          <a:spcPts val="0"/>
-                        </a:spcBef>
-                        <a:spcAft>
-                          <a:spcPts val="0"/>
-                        </a:spcAft>
-                        <a:buFont typeface="+mj-lt"/>
-                        <a:buAutoNum type="arabicPeriod"/>
-                      </a:pPr>
-                      <a:r>
-                        <a:rPr lang="en-US" sz="1000">
-                          <a:effectLst/>
-                        </a:rPr>
-                        <a:t>Updates saved to database</a:t>
-                      </a:r>
-                      <a:endParaRPr lang="en-US" sz="1000">
-                        <a:effectLst/>
-                        <a:latin typeface="Calibri" panose="020F0502020204030204" pitchFamily="34" charset="0"/>
-                        <a:ea typeface="Calibri" panose="020F0502020204030204" pitchFamily="34" charset="0"/>
-                        <a:cs typeface="Times New Roman" panose="02020603050405020304" pitchFamily="18" charset="0"/>
-                      </a:endParaRPr>
-                    </a:p>
-                  </a:txBody>
-                  <a:tcPr marL="51597" marR="51597" marT="0" marB="0"/>
-                </a:tc>
-                <a:extLst>
-                  <a:ext uri="{0D108BD9-81ED-4DB2-BD59-A6C34878D82A}">
-                    <a16:rowId xmlns:a16="http://schemas.microsoft.com/office/drawing/2014/main" val="1140438251"/>
-                  </a:ext>
-                </a:extLst>
-              </a:tr>
-              <a:tr h="190796">
-                <a:tc>
-                  <a:txBody>
-                    <a:bodyPr/>
-                    <a:lstStyle/>
-                    <a:p>
-                      <a:pPr marL="0" marR="0">
-                        <a:lnSpc>
-                          <a:spcPct val="115000"/>
-                        </a:lnSpc>
-                        <a:spcBef>
-                          <a:spcPts val="0"/>
-                        </a:spcBef>
-                        <a:spcAft>
-                          <a:spcPts val="0"/>
-                        </a:spcAft>
-                      </a:pPr>
-                      <a:r>
-                        <a:rPr lang="en-US" sz="1000">
-                          <a:effectLst/>
-                        </a:rPr>
-                        <a:t>Sub-Flows</a:t>
-                      </a:r>
-                      <a:endParaRPr lang="en-US" sz="1000">
-                        <a:effectLst/>
-                        <a:latin typeface="Calibri" panose="020F0502020204030204" pitchFamily="34" charset="0"/>
-                        <a:ea typeface="Calibri" panose="020F0502020204030204" pitchFamily="34" charset="0"/>
-                        <a:cs typeface="Times New Roman" panose="02020603050405020304" pitchFamily="18" charset="0"/>
-                      </a:endParaRPr>
-                    </a:p>
-                  </a:txBody>
-                  <a:tcPr marL="51597" marR="51597" marT="0" marB="0"/>
-                </a:tc>
-                <a:tc>
-                  <a:txBody>
-                    <a:bodyPr/>
-                    <a:lstStyle/>
-                    <a:p>
-                      <a:pPr marL="0" marR="0">
-                        <a:lnSpc>
-                          <a:spcPct val="115000"/>
-                        </a:lnSpc>
-                        <a:spcBef>
-                          <a:spcPts val="0"/>
-                        </a:spcBef>
-                        <a:spcAft>
-                          <a:spcPts val="0"/>
-                        </a:spcAft>
-                      </a:pPr>
-                      <a:r>
-                        <a:rPr lang="en-US" sz="1000">
-                          <a:effectLst/>
-                        </a:rPr>
-                        <a:t>See diagram</a:t>
-                      </a:r>
-                      <a:endParaRPr lang="en-US" sz="1000">
-                        <a:effectLst/>
-                        <a:latin typeface="Calibri" panose="020F0502020204030204" pitchFamily="34" charset="0"/>
-                        <a:ea typeface="Calibri" panose="020F0502020204030204" pitchFamily="34" charset="0"/>
-                        <a:cs typeface="Times New Roman" panose="02020603050405020304" pitchFamily="18" charset="0"/>
-                      </a:endParaRPr>
-                    </a:p>
-                  </a:txBody>
-                  <a:tcPr marL="51597" marR="51597" marT="0" marB="0"/>
-                </a:tc>
-                <a:extLst>
-                  <a:ext uri="{0D108BD9-81ED-4DB2-BD59-A6C34878D82A}">
-                    <a16:rowId xmlns:a16="http://schemas.microsoft.com/office/drawing/2014/main" val="1603186152"/>
-                  </a:ext>
-                </a:extLst>
-              </a:tr>
-              <a:tr h="190796">
-                <a:tc>
-                  <a:txBody>
-                    <a:bodyPr/>
-                    <a:lstStyle/>
-                    <a:p>
-                      <a:pPr marL="0" marR="0">
-                        <a:lnSpc>
-                          <a:spcPct val="115000"/>
-                        </a:lnSpc>
-                        <a:spcBef>
-                          <a:spcPts val="0"/>
-                        </a:spcBef>
-                        <a:spcAft>
-                          <a:spcPts val="0"/>
-                        </a:spcAft>
-                      </a:pPr>
-                      <a:r>
-                        <a:rPr lang="en-US" sz="1000">
-                          <a:effectLst/>
-                        </a:rPr>
-                        <a:t>Alternate Flow/Exceptions</a:t>
-                      </a:r>
-                      <a:endParaRPr lang="en-US" sz="1000">
-                        <a:effectLst/>
-                        <a:latin typeface="Calibri" panose="020F0502020204030204" pitchFamily="34" charset="0"/>
-                        <a:ea typeface="Calibri" panose="020F0502020204030204" pitchFamily="34" charset="0"/>
-                        <a:cs typeface="Times New Roman" panose="02020603050405020304" pitchFamily="18" charset="0"/>
-                      </a:endParaRPr>
-                    </a:p>
-                  </a:txBody>
-                  <a:tcPr marL="51597" marR="51597" marT="0" marB="0"/>
-                </a:tc>
-                <a:tc>
-                  <a:txBody>
-                    <a:bodyPr/>
-                    <a:lstStyle/>
-                    <a:p>
-                      <a:pPr marL="0" marR="0">
-                        <a:lnSpc>
-                          <a:spcPct val="115000"/>
-                        </a:lnSpc>
-                        <a:spcBef>
-                          <a:spcPts val="0"/>
-                        </a:spcBef>
-                        <a:spcAft>
-                          <a:spcPts val="0"/>
-                        </a:spcAft>
-                      </a:pPr>
-                      <a:r>
-                        <a:rPr lang="en-US" sz="1000">
-                          <a:effectLst/>
-                        </a:rPr>
-                        <a:t>See diagram</a:t>
-                      </a:r>
-                      <a:endParaRPr lang="en-US" sz="1000">
-                        <a:effectLst/>
-                        <a:latin typeface="Calibri" panose="020F0502020204030204" pitchFamily="34" charset="0"/>
-                        <a:ea typeface="Calibri" panose="020F0502020204030204" pitchFamily="34" charset="0"/>
-                        <a:cs typeface="Times New Roman" panose="02020603050405020304" pitchFamily="18" charset="0"/>
-                      </a:endParaRPr>
-                    </a:p>
-                  </a:txBody>
-                  <a:tcPr marL="51597" marR="51597" marT="0" marB="0"/>
-                </a:tc>
-                <a:extLst>
-                  <a:ext uri="{0D108BD9-81ED-4DB2-BD59-A6C34878D82A}">
-                    <a16:rowId xmlns:a16="http://schemas.microsoft.com/office/drawing/2014/main" val="1051064224"/>
-                  </a:ext>
-                </a:extLst>
-              </a:tr>
-              <a:tr h="190796">
-                <a:tc>
-                  <a:txBody>
-                    <a:bodyPr/>
-                    <a:lstStyle/>
-                    <a:p>
-                      <a:pPr marL="0" marR="0">
-                        <a:lnSpc>
-                          <a:spcPct val="115000"/>
-                        </a:lnSpc>
-                        <a:spcBef>
-                          <a:spcPts val="0"/>
-                        </a:spcBef>
-                        <a:spcAft>
-                          <a:spcPts val="0"/>
-                        </a:spcAft>
-                      </a:pPr>
-                      <a:r>
-                        <a:rPr lang="en-US" sz="1000">
-                          <a:effectLst/>
-                        </a:rPr>
-                        <a:t>Postcondition</a:t>
-                      </a:r>
-                      <a:endParaRPr lang="en-US" sz="1000">
-                        <a:effectLst/>
-                        <a:latin typeface="Calibri" panose="020F0502020204030204" pitchFamily="34" charset="0"/>
-                        <a:ea typeface="Calibri" panose="020F0502020204030204" pitchFamily="34" charset="0"/>
-                        <a:cs typeface="Times New Roman" panose="02020603050405020304" pitchFamily="18" charset="0"/>
-                      </a:endParaRPr>
-                    </a:p>
-                  </a:txBody>
-                  <a:tcPr marL="51597" marR="51597" marT="0" marB="0"/>
-                </a:tc>
-                <a:tc>
-                  <a:txBody>
-                    <a:bodyPr/>
-                    <a:lstStyle/>
-                    <a:p>
-                      <a:pPr marL="0" marR="0">
-                        <a:lnSpc>
-                          <a:spcPct val="115000"/>
-                        </a:lnSpc>
-                        <a:spcBef>
-                          <a:spcPts val="0"/>
-                        </a:spcBef>
-                        <a:spcAft>
-                          <a:spcPts val="0"/>
-                        </a:spcAft>
-                      </a:pPr>
-                      <a:r>
-                        <a:rPr lang="en-US" sz="1000">
-                          <a:effectLst/>
-                        </a:rPr>
-                        <a:t>Updated Records</a:t>
-                      </a:r>
-                      <a:endParaRPr lang="en-US" sz="1000">
-                        <a:effectLst/>
-                        <a:latin typeface="Calibri" panose="020F0502020204030204" pitchFamily="34" charset="0"/>
-                        <a:ea typeface="Calibri" panose="020F0502020204030204" pitchFamily="34" charset="0"/>
-                        <a:cs typeface="Times New Roman" panose="02020603050405020304" pitchFamily="18" charset="0"/>
-                      </a:endParaRPr>
-                    </a:p>
-                  </a:txBody>
-                  <a:tcPr marL="51597" marR="51597" marT="0" marB="0"/>
-                </a:tc>
-                <a:extLst>
-                  <a:ext uri="{0D108BD9-81ED-4DB2-BD59-A6C34878D82A}">
-                    <a16:rowId xmlns:a16="http://schemas.microsoft.com/office/drawing/2014/main" val="3483315946"/>
-                  </a:ext>
-                </a:extLst>
-              </a:tr>
-              <a:tr h="190796">
-                <a:tc>
-                  <a:txBody>
-                    <a:bodyPr/>
-                    <a:lstStyle/>
-                    <a:p>
-                      <a:pPr marL="0" marR="0">
-                        <a:lnSpc>
-                          <a:spcPct val="115000"/>
-                        </a:lnSpc>
-                        <a:spcBef>
-                          <a:spcPts val="0"/>
-                        </a:spcBef>
-                        <a:spcAft>
-                          <a:spcPts val="0"/>
-                        </a:spcAft>
-                      </a:pPr>
-                      <a:r>
-                        <a:rPr lang="en-US" sz="1000">
-                          <a:effectLst/>
-                        </a:rPr>
-                        <a:t>Open Issues</a:t>
-                      </a:r>
-                      <a:endParaRPr lang="en-US" sz="1000">
-                        <a:effectLst/>
-                        <a:latin typeface="Calibri" panose="020F0502020204030204" pitchFamily="34" charset="0"/>
-                        <a:ea typeface="Calibri" panose="020F0502020204030204" pitchFamily="34" charset="0"/>
-                        <a:cs typeface="Times New Roman" panose="02020603050405020304" pitchFamily="18" charset="0"/>
-                      </a:endParaRPr>
-                    </a:p>
-                  </a:txBody>
-                  <a:tcPr marL="51597" marR="51597" marT="0" marB="0"/>
-                </a:tc>
-                <a:tc>
-                  <a:txBody>
-                    <a:bodyPr/>
-                    <a:lstStyle/>
-                    <a:p>
-                      <a:pPr marL="0" marR="0">
-                        <a:lnSpc>
-                          <a:spcPct val="115000"/>
-                        </a:lnSpc>
-                        <a:spcBef>
-                          <a:spcPts val="0"/>
-                        </a:spcBef>
-                        <a:spcAft>
-                          <a:spcPts val="0"/>
-                        </a:spcAft>
-                      </a:pPr>
-                      <a:r>
-                        <a:rPr lang="en-US" sz="1000">
-                          <a:effectLst/>
-                        </a:rPr>
-                        <a:t> </a:t>
-                      </a:r>
-                      <a:endParaRPr lang="en-US" sz="1000">
-                        <a:effectLst/>
-                        <a:latin typeface="Calibri" panose="020F0502020204030204" pitchFamily="34" charset="0"/>
-                        <a:ea typeface="Calibri" panose="020F0502020204030204" pitchFamily="34" charset="0"/>
-                        <a:cs typeface="Times New Roman" panose="02020603050405020304" pitchFamily="18" charset="0"/>
-                      </a:endParaRPr>
-                    </a:p>
-                  </a:txBody>
-                  <a:tcPr marL="51597" marR="51597" marT="0" marB="0"/>
-                </a:tc>
-                <a:extLst>
-                  <a:ext uri="{0D108BD9-81ED-4DB2-BD59-A6C34878D82A}">
-                    <a16:rowId xmlns:a16="http://schemas.microsoft.com/office/drawing/2014/main" val="3597058160"/>
-                  </a:ext>
-                </a:extLst>
-              </a:tr>
-              <a:tr h="190796">
-                <a:tc>
-                  <a:txBody>
-                    <a:bodyPr/>
-                    <a:lstStyle/>
-                    <a:p>
-                      <a:pPr marL="0" marR="0">
-                        <a:lnSpc>
-                          <a:spcPct val="115000"/>
-                        </a:lnSpc>
-                        <a:spcBef>
-                          <a:spcPts val="0"/>
-                        </a:spcBef>
-                        <a:spcAft>
-                          <a:spcPts val="0"/>
-                        </a:spcAft>
-                      </a:pPr>
-                      <a:r>
-                        <a:rPr lang="en-US" sz="1000">
-                          <a:effectLst/>
-                        </a:rPr>
-                        <a:t>Source</a:t>
-                      </a:r>
-                      <a:endParaRPr lang="en-US" sz="1000">
-                        <a:effectLst/>
-                        <a:latin typeface="Calibri" panose="020F0502020204030204" pitchFamily="34" charset="0"/>
-                        <a:ea typeface="Calibri" panose="020F0502020204030204" pitchFamily="34" charset="0"/>
-                        <a:cs typeface="Times New Roman" panose="02020603050405020304" pitchFamily="18" charset="0"/>
-                      </a:endParaRPr>
-                    </a:p>
-                  </a:txBody>
-                  <a:tcPr marL="51597" marR="51597" marT="0" marB="0"/>
-                </a:tc>
-                <a:tc>
-                  <a:txBody>
-                    <a:bodyPr/>
-                    <a:lstStyle/>
-                    <a:p>
-                      <a:pPr marL="0" marR="0">
-                        <a:lnSpc>
-                          <a:spcPct val="115000"/>
-                        </a:lnSpc>
-                        <a:spcBef>
-                          <a:spcPts val="0"/>
-                        </a:spcBef>
-                        <a:spcAft>
-                          <a:spcPts val="0"/>
-                        </a:spcAft>
-                      </a:pPr>
-                      <a:r>
-                        <a:rPr lang="en-US" sz="1000">
-                          <a:effectLst/>
-                        </a:rPr>
-                        <a:t>Problem Statement</a:t>
-                      </a:r>
-                      <a:endParaRPr lang="en-US" sz="1000">
-                        <a:effectLst/>
-                        <a:latin typeface="Calibri" panose="020F0502020204030204" pitchFamily="34" charset="0"/>
-                        <a:ea typeface="Calibri" panose="020F0502020204030204" pitchFamily="34" charset="0"/>
-                        <a:cs typeface="Times New Roman" panose="02020603050405020304" pitchFamily="18" charset="0"/>
-                      </a:endParaRPr>
-                    </a:p>
-                  </a:txBody>
-                  <a:tcPr marL="51597" marR="51597" marT="0" marB="0"/>
-                </a:tc>
-                <a:extLst>
-                  <a:ext uri="{0D108BD9-81ED-4DB2-BD59-A6C34878D82A}">
-                    <a16:rowId xmlns:a16="http://schemas.microsoft.com/office/drawing/2014/main" val="2211063690"/>
-                  </a:ext>
-                </a:extLst>
-              </a:tr>
-              <a:tr h="190796">
-                <a:tc>
-                  <a:txBody>
-                    <a:bodyPr/>
-                    <a:lstStyle/>
-                    <a:p>
-                      <a:pPr marL="0" marR="0">
-                        <a:lnSpc>
-                          <a:spcPct val="115000"/>
-                        </a:lnSpc>
-                        <a:spcBef>
-                          <a:spcPts val="0"/>
-                        </a:spcBef>
-                        <a:spcAft>
-                          <a:spcPts val="0"/>
-                        </a:spcAft>
-                      </a:pPr>
-                      <a:r>
-                        <a:rPr lang="en-US" sz="1000">
-                          <a:effectLst/>
-                        </a:rPr>
-                        <a:t>Author</a:t>
-                      </a:r>
-                      <a:endParaRPr lang="en-US" sz="1000">
-                        <a:effectLst/>
-                        <a:latin typeface="Calibri" panose="020F0502020204030204" pitchFamily="34" charset="0"/>
-                        <a:ea typeface="Calibri" panose="020F0502020204030204" pitchFamily="34" charset="0"/>
-                        <a:cs typeface="Times New Roman" panose="02020603050405020304" pitchFamily="18" charset="0"/>
-                      </a:endParaRPr>
-                    </a:p>
-                  </a:txBody>
-                  <a:tcPr marL="51597" marR="51597" marT="0" marB="0"/>
-                </a:tc>
-                <a:tc>
-                  <a:txBody>
-                    <a:bodyPr/>
-                    <a:lstStyle/>
-                    <a:p>
-                      <a:pPr marL="0" marR="0">
-                        <a:lnSpc>
-                          <a:spcPct val="115000"/>
-                        </a:lnSpc>
-                        <a:spcBef>
-                          <a:spcPts val="0"/>
-                        </a:spcBef>
-                        <a:spcAft>
-                          <a:spcPts val="0"/>
-                        </a:spcAft>
-                      </a:pPr>
-                      <a:r>
-                        <a:rPr lang="en-US" sz="1000">
-                          <a:effectLst/>
-                        </a:rPr>
-                        <a:t>Conrad Yoder</a:t>
-                      </a:r>
-                      <a:endParaRPr lang="en-US" sz="1000">
-                        <a:effectLst/>
-                        <a:latin typeface="Calibri" panose="020F0502020204030204" pitchFamily="34" charset="0"/>
-                        <a:ea typeface="Calibri" panose="020F0502020204030204" pitchFamily="34" charset="0"/>
-                        <a:cs typeface="Times New Roman" panose="02020603050405020304" pitchFamily="18" charset="0"/>
-                      </a:endParaRPr>
-                    </a:p>
-                  </a:txBody>
-                  <a:tcPr marL="51597" marR="51597" marT="0" marB="0"/>
-                </a:tc>
-                <a:extLst>
-                  <a:ext uri="{0D108BD9-81ED-4DB2-BD59-A6C34878D82A}">
-                    <a16:rowId xmlns:a16="http://schemas.microsoft.com/office/drawing/2014/main" val="873375707"/>
-                  </a:ext>
-                </a:extLst>
-              </a:tr>
-              <a:tr h="190796">
-                <a:tc>
-                  <a:txBody>
-                    <a:bodyPr/>
-                    <a:lstStyle/>
-                    <a:p>
-                      <a:pPr marL="0" marR="0">
-                        <a:lnSpc>
-                          <a:spcPct val="115000"/>
-                        </a:lnSpc>
-                        <a:spcBef>
-                          <a:spcPts val="0"/>
-                        </a:spcBef>
-                        <a:spcAft>
-                          <a:spcPts val="0"/>
-                        </a:spcAft>
-                      </a:pPr>
-                      <a:r>
-                        <a:rPr lang="en-US" sz="1000">
-                          <a:effectLst/>
-                        </a:rPr>
-                        <a:t>Revision and Date</a:t>
-                      </a:r>
-                      <a:endParaRPr lang="en-US" sz="1000">
-                        <a:effectLst/>
-                        <a:latin typeface="Calibri" panose="020F0502020204030204" pitchFamily="34" charset="0"/>
-                        <a:ea typeface="Calibri" panose="020F0502020204030204" pitchFamily="34" charset="0"/>
-                        <a:cs typeface="Times New Roman" panose="02020603050405020304" pitchFamily="18" charset="0"/>
-                      </a:endParaRPr>
-                    </a:p>
-                  </a:txBody>
-                  <a:tcPr marL="51597" marR="51597" marT="0" marB="0"/>
-                </a:tc>
-                <a:tc>
-                  <a:txBody>
-                    <a:bodyPr/>
-                    <a:lstStyle/>
-                    <a:p>
-                      <a:pPr marL="0" marR="0">
-                        <a:lnSpc>
-                          <a:spcPct val="115000"/>
-                        </a:lnSpc>
-                        <a:spcBef>
-                          <a:spcPts val="0"/>
-                        </a:spcBef>
-                        <a:spcAft>
-                          <a:spcPts val="0"/>
-                        </a:spcAft>
-                      </a:pPr>
-                      <a:r>
-                        <a:rPr lang="en-US" sz="1000" dirty="0">
-                          <a:effectLst/>
-                        </a:rPr>
-                        <a:t>Version 2 7/10/2017</a:t>
-                      </a:r>
-                      <a:endParaRPr lang="en-US" sz="1000" dirty="0">
-                        <a:effectLst/>
-                        <a:latin typeface="Calibri" panose="020F0502020204030204" pitchFamily="34" charset="0"/>
-                        <a:ea typeface="Calibri" panose="020F0502020204030204" pitchFamily="34" charset="0"/>
-                        <a:cs typeface="Times New Roman" panose="02020603050405020304" pitchFamily="18" charset="0"/>
-                      </a:endParaRPr>
-                    </a:p>
-                  </a:txBody>
-                  <a:tcPr marL="51597" marR="51597" marT="0" marB="0"/>
-                </a:tc>
-                <a:extLst>
-                  <a:ext uri="{0D108BD9-81ED-4DB2-BD59-A6C34878D82A}">
-                    <a16:rowId xmlns:a16="http://schemas.microsoft.com/office/drawing/2014/main" val="1330659555"/>
-                  </a:ext>
-                </a:extLst>
-              </a:tr>
-            </a:tbl>
-          </a:graphicData>
-        </a:graphic>
-      </p:graphicFrame>
       <p:sp>
         <p:nvSpPr>
           <p:cNvPr id="3" name="Slide Number Placeholder 2">
@@ -8326,6 +6593,1655 @@
           </a:p>
         </p:txBody>
       </p:sp>
+      <p:graphicFrame>
+        <p:nvGraphicFramePr>
+          <p:cNvPr id="7" name="Content Placeholder 6">
+            <a:extLst>
+              <a:ext uri="{FF2B5EF4-FFF2-40B4-BE49-F238E27FC236}">
+                <a16:creationId xmlns:a16="http://schemas.microsoft.com/office/drawing/2014/main" id="{19ED28C3-B3D6-429C-AB00-9128B2CBF5AA}"/>
+              </a:ext>
+            </a:extLst>
+          </p:cNvPr>
+          <p:cNvGraphicFramePr>
+            <a:graphicFrameLocks noGrp="1"/>
+          </p:cNvGraphicFramePr>
+          <p:nvPr>
+            <p:ph idx="1"/>
+            <p:extLst>
+              <p:ext uri="{D42A27DB-BD31-4B8C-83A1-F6EECF244321}">
+                <p14:modId xmlns:p14="http://schemas.microsoft.com/office/powerpoint/2010/main" val="2171918194"/>
+              </p:ext>
+            </p:extLst>
+          </p:nvPr>
+        </p:nvGraphicFramePr>
+        <p:xfrm>
+          <a:off x="518984" y="518984"/>
+          <a:ext cx="11071654" cy="5850494"/>
+        </p:xfrm>
+        <a:graphic>
+          <a:graphicData uri="http://schemas.openxmlformats.org/drawingml/2006/table">
+            <a:tbl>
+              <a:tblPr firstRow="1" firstCol="1" bandRow="1">
+                <a:tableStyleId>{F5AB1C69-6EDB-4FF4-983F-18BD219EF322}</a:tableStyleId>
+              </a:tblPr>
+              <a:tblGrid>
+                <a:gridCol w="1853513">
+                  <a:extLst>
+                    <a:ext uri="{9D8B030D-6E8A-4147-A177-3AD203B41FA5}">
+                      <a16:colId xmlns:a16="http://schemas.microsoft.com/office/drawing/2014/main" val="1671877882"/>
+                    </a:ext>
+                  </a:extLst>
+                </a:gridCol>
+                <a:gridCol w="9218141">
+                  <a:extLst>
+                    <a:ext uri="{9D8B030D-6E8A-4147-A177-3AD203B41FA5}">
+                      <a16:colId xmlns:a16="http://schemas.microsoft.com/office/drawing/2014/main" val="561960919"/>
+                    </a:ext>
+                  </a:extLst>
+                </a:gridCol>
+              </a:tblGrid>
+              <a:tr h="206821">
+                <a:tc>
+                  <a:txBody>
+                    <a:bodyPr/>
+                    <a:lstStyle/>
+                    <a:p>
+                      <a:pPr marL="0" marR="0">
+                        <a:lnSpc>
+                          <a:spcPct val="115000"/>
+                        </a:lnSpc>
+                        <a:spcBef>
+                          <a:spcPts val="0"/>
+                        </a:spcBef>
+                        <a:spcAft>
+                          <a:spcPts val="0"/>
+                        </a:spcAft>
+                      </a:pPr>
+                      <a:r>
+                        <a:rPr lang="en-US" sz="1000">
+                          <a:effectLst/>
+                        </a:rPr>
+                        <a:t>Name</a:t>
+                      </a:r>
+                      <a:endParaRPr lang="en-US" sz="1000">
+                        <a:effectLst/>
+                        <a:latin typeface="Calibri" panose="020F0502020204030204" pitchFamily="34" charset="0"/>
+                        <a:ea typeface="Calibri" panose="020F0502020204030204" pitchFamily="34" charset="0"/>
+                        <a:cs typeface="Times New Roman" panose="02020603050405020304" pitchFamily="18" charset="0"/>
+                      </a:endParaRPr>
+                    </a:p>
+                  </a:txBody>
+                  <a:tcPr marL="59535" marR="59535" marT="0" marB="0"/>
+                </a:tc>
+                <a:tc>
+                  <a:txBody>
+                    <a:bodyPr/>
+                    <a:lstStyle/>
+                    <a:p>
+                      <a:pPr marL="0" marR="0">
+                        <a:lnSpc>
+                          <a:spcPct val="115000"/>
+                        </a:lnSpc>
+                        <a:spcBef>
+                          <a:spcPts val="0"/>
+                        </a:spcBef>
+                        <a:spcAft>
+                          <a:spcPts val="0"/>
+                        </a:spcAft>
+                      </a:pPr>
+                      <a:r>
+                        <a:rPr lang="en-US" sz="1000">
+                          <a:effectLst/>
+                        </a:rPr>
+                        <a:t>Administer System</a:t>
+                      </a:r>
+                      <a:endParaRPr lang="en-US" sz="1000">
+                        <a:effectLst/>
+                        <a:latin typeface="Calibri" panose="020F0502020204030204" pitchFamily="34" charset="0"/>
+                        <a:ea typeface="Calibri" panose="020F0502020204030204" pitchFamily="34" charset="0"/>
+                        <a:cs typeface="Times New Roman" panose="02020603050405020304" pitchFamily="18" charset="0"/>
+                      </a:endParaRPr>
+                    </a:p>
+                  </a:txBody>
+                  <a:tcPr marL="59535" marR="59535" marT="0" marB="0"/>
+                </a:tc>
+                <a:extLst>
+                  <a:ext uri="{0D108BD9-81ED-4DB2-BD59-A6C34878D82A}">
+                    <a16:rowId xmlns:a16="http://schemas.microsoft.com/office/drawing/2014/main" val="641049333"/>
+                  </a:ext>
+                </a:extLst>
+              </a:tr>
+              <a:tr h="206821">
+                <a:tc>
+                  <a:txBody>
+                    <a:bodyPr/>
+                    <a:lstStyle/>
+                    <a:p>
+                      <a:pPr marL="0" marR="0">
+                        <a:lnSpc>
+                          <a:spcPct val="115000"/>
+                        </a:lnSpc>
+                        <a:spcBef>
+                          <a:spcPts val="0"/>
+                        </a:spcBef>
+                        <a:spcAft>
+                          <a:spcPts val="0"/>
+                        </a:spcAft>
+                      </a:pPr>
+                      <a:r>
+                        <a:rPr lang="en-US" sz="1000">
+                          <a:effectLst/>
+                        </a:rPr>
+                        <a:t>id</a:t>
+                      </a:r>
+                      <a:endParaRPr lang="en-US" sz="1000">
+                        <a:effectLst/>
+                        <a:latin typeface="Calibri" panose="020F0502020204030204" pitchFamily="34" charset="0"/>
+                        <a:ea typeface="Calibri" panose="020F0502020204030204" pitchFamily="34" charset="0"/>
+                        <a:cs typeface="Times New Roman" panose="02020603050405020304" pitchFamily="18" charset="0"/>
+                      </a:endParaRPr>
+                    </a:p>
+                  </a:txBody>
+                  <a:tcPr marL="59535" marR="59535" marT="0" marB="0"/>
+                </a:tc>
+                <a:tc>
+                  <a:txBody>
+                    <a:bodyPr/>
+                    <a:lstStyle/>
+                    <a:p>
+                      <a:pPr marL="0" marR="0">
+                        <a:lnSpc>
+                          <a:spcPct val="115000"/>
+                        </a:lnSpc>
+                        <a:spcBef>
+                          <a:spcPts val="0"/>
+                        </a:spcBef>
+                        <a:spcAft>
+                          <a:spcPts val="0"/>
+                        </a:spcAft>
+                      </a:pPr>
+                      <a:r>
+                        <a:rPr lang="en-US" sz="1000">
+                          <a:effectLst/>
+                        </a:rPr>
+                        <a:t>4</a:t>
+                      </a:r>
+                      <a:endParaRPr lang="en-US" sz="1000">
+                        <a:effectLst/>
+                        <a:latin typeface="Calibri" panose="020F0502020204030204" pitchFamily="34" charset="0"/>
+                        <a:ea typeface="Calibri" panose="020F0502020204030204" pitchFamily="34" charset="0"/>
+                        <a:cs typeface="Times New Roman" panose="02020603050405020304" pitchFamily="18" charset="0"/>
+                      </a:endParaRPr>
+                    </a:p>
+                  </a:txBody>
+                  <a:tcPr marL="59535" marR="59535" marT="0" marB="0"/>
+                </a:tc>
+                <a:extLst>
+                  <a:ext uri="{0D108BD9-81ED-4DB2-BD59-A6C34878D82A}">
+                    <a16:rowId xmlns:a16="http://schemas.microsoft.com/office/drawing/2014/main" val="3787953307"/>
+                  </a:ext>
+                </a:extLst>
+              </a:tr>
+              <a:tr h="206821">
+                <a:tc>
+                  <a:txBody>
+                    <a:bodyPr/>
+                    <a:lstStyle/>
+                    <a:p>
+                      <a:pPr marL="0" marR="0">
+                        <a:lnSpc>
+                          <a:spcPct val="115000"/>
+                        </a:lnSpc>
+                        <a:spcBef>
+                          <a:spcPts val="0"/>
+                        </a:spcBef>
+                        <a:spcAft>
+                          <a:spcPts val="0"/>
+                        </a:spcAft>
+                      </a:pPr>
+                      <a:r>
+                        <a:rPr lang="en-US" sz="1000">
+                          <a:effectLst/>
+                        </a:rPr>
+                        <a:t>Scope</a:t>
+                      </a:r>
+                      <a:endParaRPr lang="en-US" sz="1000">
+                        <a:effectLst/>
+                        <a:latin typeface="Calibri" panose="020F0502020204030204" pitchFamily="34" charset="0"/>
+                        <a:ea typeface="Calibri" panose="020F0502020204030204" pitchFamily="34" charset="0"/>
+                        <a:cs typeface="Times New Roman" panose="02020603050405020304" pitchFamily="18" charset="0"/>
+                      </a:endParaRPr>
+                    </a:p>
+                  </a:txBody>
+                  <a:tcPr marL="59535" marR="59535" marT="0" marB="0"/>
+                </a:tc>
+                <a:tc>
+                  <a:txBody>
+                    <a:bodyPr/>
+                    <a:lstStyle/>
+                    <a:p>
+                      <a:pPr marL="0" marR="0">
+                        <a:lnSpc>
+                          <a:spcPct val="115000"/>
+                        </a:lnSpc>
+                        <a:spcBef>
+                          <a:spcPts val="0"/>
+                        </a:spcBef>
+                        <a:spcAft>
+                          <a:spcPts val="0"/>
+                        </a:spcAft>
+                      </a:pPr>
+                      <a:r>
+                        <a:rPr lang="en-US" sz="1000">
+                          <a:effectLst/>
+                        </a:rPr>
+                        <a:t>Quote System</a:t>
+                      </a:r>
+                      <a:endParaRPr lang="en-US" sz="1000">
+                        <a:effectLst/>
+                        <a:latin typeface="Calibri" panose="020F0502020204030204" pitchFamily="34" charset="0"/>
+                        <a:ea typeface="Calibri" panose="020F0502020204030204" pitchFamily="34" charset="0"/>
+                        <a:cs typeface="Times New Roman" panose="02020603050405020304" pitchFamily="18" charset="0"/>
+                      </a:endParaRPr>
+                    </a:p>
+                  </a:txBody>
+                  <a:tcPr marL="59535" marR="59535" marT="0" marB="0"/>
+                </a:tc>
+                <a:extLst>
+                  <a:ext uri="{0D108BD9-81ED-4DB2-BD59-A6C34878D82A}">
+                    <a16:rowId xmlns:a16="http://schemas.microsoft.com/office/drawing/2014/main" val="3819672823"/>
+                  </a:ext>
+                </a:extLst>
+              </a:tr>
+              <a:tr h="206821">
+                <a:tc>
+                  <a:txBody>
+                    <a:bodyPr/>
+                    <a:lstStyle/>
+                    <a:p>
+                      <a:pPr marL="0" marR="0">
+                        <a:lnSpc>
+                          <a:spcPct val="115000"/>
+                        </a:lnSpc>
+                        <a:spcBef>
+                          <a:spcPts val="0"/>
+                        </a:spcBef>
+                        <a:spcAft>
+                          <a:spcPts val="0"/>
+                        </a:spcAft>
+                      </a:pPr>
+                      <a:r>
+                        <a:rPr lang="en-US" sz="1000">
+                          <a:effectLst/>
+                        </a:rPr>
+                        <a:t>Priority</a:t>
+                      </a:r>
+                      <a:endParaRPr lang="en-US" sz="1000">
+                        <a:effectLst/>
+                        <a:latin typeface="Calibri" panose="020F0502020204030204" pitchFamily="34" charset="0"/>
+                        <a:ea typeface="Calibri" panose="020F0502020204030204" pitchFamily="34" charset="0"/>
+                        <a:cs typeface="Times New Roman" panose="02020603050405020304" pitchFamily="18" charset="0"/>
+                      </a:endParaRPr>
+                    </a:p>
+                  </a:txBody>
+                  <a:tcPr marL="59535" marR="59535" marT="0" marB="0"/>
+                </a:tc>
+                <a:tc>
+                  <a:txBody>
+                    <a:bodyPr/>
+                    <a:lstStyle/>
+                    <a:p>
+                      <a:pPr marL="0" marR="0">
+                        <a:lnSpc>
+                          <a:spcPct val="115000"/>
+                        </a:lnSpc>
+                        <a:spcBef>
+                          <a:spcPts val="0"/>
+                        </a:spcBef>
+                        <a:spcAft>
+                          <a:spcPts val="0"/>
+                        </a:spcAft>
+                      </a:pPr>
+                      <a:r>
+                        <a:rPr lang="en-US" sz="1000">
+                          <a:effectLst/>
+                        </a:rPr>
+                        <a:t>High</a:t>
+                      </a:r>
+                      <a:endParaRPr lang="en-US" sz="1000">
+                        <a:effectLst/>
+                        <a:latin typeface="Calibri" panose="020F0502020204030204" pitchFamily="34" charset="0"/>
+                        <a:ea typeface="Calibri" panose="020F0502020204030204" pitchFamily="34" charset="0"/>
+                        <a:cs typeface="Times New Roman" panose="02020603050405020304" pitchFamily="18" charset="0"/>
+                      </a:endParaRPr>
+                    </a:p>
+                  </a:txBody>
+                  <a:tcPr marL="59535" marR="59535" marT="0" marB="0"/>
+                </a:tc>
+                <a:extLst>
+                  <a:ext uri="{0D108BD9-81ED-4DB2-BD59-A6C34878D82A}">
+                    <a16:rowId xmlns:a16="http://schemas.microsoft.com/office/drawing/2014/main" val="3668064231"/>
+                  </a:ext>
+                </a:extLst>
+              </a:tr>
+              <a:tr h="420458">
+                <a:tc>
+                  <a:txBody>
+                    <a:bodyPr/>
+                    <a:lstStyle/>
+                    <a:p>
+                      <a:pPr marL="0" marR="0">
+                        <a:lnSpc>
+                          <a:spcPct val="115000"/>
+                        </a:lnSpc>
+                        <a:spcBef>
+                          <a:spcPts val="0"/>
+                        </a:spcBef>
+                        <a:spcAft>
+                          <a:spcPts val="0"/>
+                        </a:spcAft>
+                      </a:pPr>
+                      <a:r>
+                        <a:rPr lang="en-US" sz="1000">
+                          <a:effectLst/>
+                        </a:rPr>
+                        <a:t>Summary</a:t>
+                      </a:r>
+                      <a:endParaRPr lang="en-US" sz="1000">
+                        <a:effectLst/>
+                        <a:latin typeface="Calibri" panose="020F0502020204030204" pitchFamily="34" charset="0"/>
+                        <a:ea typeface="Calibri" panose="020F0502020204030204" pitchFamily="34" charset="0"/>
+                        <a:cs typeface="Times New Roman" panose="02020603050405020304" pitchFamily="18" charset="0"/>
+                      </a:endParaRPr>
+                    </a:p>
+                  </a:txBody>
+                  <a:tcPr marL="59535" marR="59535" marT="0" marB="0"/>
+                </a:tc>
+                <a:tc>
+                  <a:txBody>
+                    <a:bodyPr/>
+                    <a:lstStyle/>
+                    <a:p>
+                      <a:pPr marL="0" marR="0">
+                        <a:lnSpc>
+                          <a:spcPct val="115000"/>
+                        </a:lnSpc>
+                        <a:spcBef>
+                          <a:spcPts val="0"/>
+                        </a:spcBef>
+                        <a:spcAft>
+                          <a:spcPts val="0"/>
+                        </a:spcAft>
+                      </a:pPr>
+                      <a:r>
+                        <a:rPr lang="en-US" sz="1000">
+                          <a:effectLst/>
+                        </a:rPr>
+                        <a:t>The Admin can manage records of sales associate and quote information.</a:t>
+                      </a:r>
+                      <a:endParaRPr lang="en-US" sz="1000">
+                        <a:effectLst/>
+                        <a:latin typeface="Calibri" panose="020F0502020204030204" pitchFamily="34" charset="0"/>
+                        <a:ea typeface="Calibri" panose="020F0502020204030204" pitchFamily="34" charset="0"/>
+                        <a:cs typeface="Times New Roman" panose="02020603050405020304" pitchFamily="18" charset="0"/>
+                      </a:endParaRPr>
+                    </a:p>
+                  </a:txBody>
+                  <a:tcPr marL="59535" marR="59535" marT="0" marB="0"/>
+                </a:tc>
+                <a:extLst>
+                  <a:ext uri="{0D108BD9-81ED-4DB2-BD59-A6C34878D82A}">
+                    <a16:rowId xmlns:a16="http://schemas.microsoft.com/office/drawing/2014/main" val="3438315302"/>
+                  </a:ext>
+                </a:extLst>
+              </a:tr>
+              <a:tr h="206821">
+                <a:tc>
+                  <a:txBody>
+                    <a:bodyPr/>
+                    <a:lstStyle/>
+                    <a:p>
+                      <a:pPr marL="0" marR="0">
+                        <a:lnSpc>
+                          <a:spcPct val="115000"/>
+                        </a:lnSpc>
+                        <a:spcBef>
+                          <a:spcPts val="0"/>
+                        </a:spcBef>
+                        <a:spcAft>
+                          <a:spcPts val="0"/>
+                        </a:spcAft>
+                      </a:pPr>
+                      <a:r>
+                        <a:rPr lang="en-US" sz="1000">
+                          <a:effectLst/>
+                        </a:rPr>
+                        <a:t>Primary Actor</a:t>
+                      </a:r>
+                      <a:endParaRPr lang="en-US" sz="1000">
+                        <a:effectLst/>
+                        <a:latin typeface="Calibri" panose="020F0502020204030204" pitchFamily="34" charset="0"/>
+                        <a:ea typeface="Calibri" panose="020F0502020204030204" pitchFamily="34" charset="0"/>
+                        <a:cs typeface="Times New Roman" panose="02020603050405020304" pitchFamily="18" charset="0"/>
+                      </a:endParaRPr>
+                    </a:p>
+                  </a:txBody>
+                  <a:tcPr marL="59535" marR="59535" marT="0" marB="0"/>
+                </a:tc>
+                <a:tc>
+                  <a:txBody>
+                    <a:bodyPr/>
+                    <a:lstStyle/>
+                    <a:p>
+                      <a:pPr marL="0" marR="0">
+                        <a:lnSpc>
+                          <a:spcPct val="115000"/>
+                        </a:lnSpc>
+                        <a:spcBef>
+                          <a:spcPts val="0"/>
+                        </a:spcBef>
+                        <a:spcAft>
+                          <a:spcPts val="0"/>
+                        </a:spcAft>
+                      </a:pPr>
+                      <a:r>
+                        <a:rPr lang="en-US" sz="1000">
+                          <a:effectLst/>
+                        </a:rPr>
+                        <a:t>Admin</a:t>
+                      </a:r>
+                      <a:endParaRPr lang="en-US" sz="1000">
+                        <a:effectLst/>
+                        <a:latin typeface="Calibri" panose="020F0502020204030204" pitchFamily="34" charset="0"/>
+                        <a:ea typeface="Calibri" panose="020F0502020204030204" pitchFamily="34" charset="0"/>
+                        <a:cs typeface="Times New Roman" panose="02020603050405020304" pitchFamily="18" charset="0"/>
+                      </a:endParaRPr>
+                    </a:p>
+                  </a:txBody>
+                  <a:tcPr marL="59535" marR="59535" marT="0" marB="0"/>
+                </a:tc>
+                <a:extLst>
+                  <a:ext uri="{0D108BD9-81ED-4DB2-BD59-A6C34878D82A}">
+                    <a16:rowId xmlns:a16="http://schemas.microsoft.com/office/drawing/2014/main" val="2751298081"/>
+                  </a:ext>
+                </a:extLst>
+              </a:tr>
+              <a:tr h="206821">
+                <a:tc>
+                  <a:txBody>
+                    <a:bodyPr/>
+                    <a:lstStyle/>
+                    <a:p>
+                      <a:pPr marL="0" marR="0">
+                        <a:lnSpc>
+                          <a:spcPct val="115000"/>
+                        </a:lnSpc>
+                        <a:spcBef>
+                          <a:spcPts val="0"/>
+                        </a:spcBef>
+                        <a:spcAft>
+                          <a:spcPts val="0"/>
+                        </a:spcAft>
+                      </a:pPr>
+                      <a:r>
+                        <a:rPr lang="en-US" sz="1000">
+                          <a:effectLst/>
+                        </a:rPr>
+                        <a:t>Supporting Actor(s)</a:t>
+                      </a:r>
+                      <a:endParaRPr lang="en-US" sz="1000">
+                        <a:effectLst/>
+                        <a:latin typeface="Calibri" panose="020F0502020204030204" pitchFamily="34" charset="0"/>
+                        <a:ea typeface="Calibri" panose="020F0502020204030204" pitchFamily="34" charset="0"/>
+                        <a:cs typeface="Times New Roman" panose="02020603050405020304" pitchFamily="18" charset="0"/>
+                      </a:endParaRPr>
+                    </a:p>
+                  </a:txBody>
+                  <a:tcPr marL="59535" marR="59535" marT="0" marB="0"/>
+                </a:tc>
+                <a:tc>
+                  <a:txBody>
+                    <a:bodyPr/>
+                    <a:lstStyle/>
+                    <a:p>
+                      <a:pPr marL="0" marR="0">
+                        <a:lnSpc>
+                          <a:spcPct val="115000"/>
+                        </a:lnSpc>
+                        <a:spcBef>
+                          <a:spcPts val="0"/>
+                        </a:spcBef>
+                        <a:spcAft>
+                          <a:spcPts val="0"/>
+                        </a:spcAft>
+                      </a:pPr>
+                      <a:r>
+                        <a:rPr lang="en-US" sz="1000">
+                          <a:effectLst/>
+                        </a:rPr>
+                        <a:t>N/A</a:t>
+                      </a:r>
+                      <a:endParaRPr lang="en-US" sz="1000">
+                        <a:effectLst/>
+                        <a:latin typeface="Calibri" panose="020F0502020204030204" pitchFamily="34" charset="0"/>
+                        <a:ea typeface="Calibri" panose="020F0502020204030204" pitchFamily="34" charset="0"/>
+                        <a:cs typeface="Times New Roman" panose="02020603050405020304" pitchFamily="18" charset="0"/>
+                      </a:endParaRPr>
+                    </a:p>
+                  </a:txBody>
+                  <a:tcPr marL="59535" marR="59535" marT="0" marB="0"/>
+                </a:tc>
+                <a:extLst>
+                  <a:ext uri="{0D108BD9-81ED-4DB2-BD59-A6C34878D82A}">
+                    <a16:rowId xmlns:a16="http://schemas.microsoft.com/office/drawing/2014/main" val="3715534111"/>
+                  </a:ext>
+                </a:extLst>
+              </a:tr>
+              <a:tr h="206821">
+                <a:tc>
+                  <a:txBody>
+                    <a:bodyPr/>
+                    <a:lstStyle/>
+                    <a:p>
+                      <a:pPr marL="0" marR="0">
+                        <a:lnSpc>
+                          <a:spcPct val="115000"/>
+                        </a:lnSpc>
+                        <a:spcBef>
+                          <a:spcPts val="0"/>
+                        </a:spcBef>
+                        <a:spcAft>
+                          <a:spcPts val="0"/>
+                        </a:spcAft>
+                      </a:pPr>
+                      <a:r>
+                        <a:rPr lang="en-US" sz="1000">
+                          <a:effectLst/>
+                        </a:rPr>
+                        <a:t>Stakeholders</a:t>
+                      </a:r>
+                      <a:endParaRPr lang="en-US" sz="1000">
+                        <a:effectLst/>
+                        <a:latin typeface="Calibri" panose="020F0502020204030204" pitchFamily="34" charset="0"/>
+                        <a:ea typeface="Calibri" panose="020F0502020204030204" pitchFamily="34" charset="0"/>
+                        <a:cs typeface="Times New Roman" panose="02020603050405020304" pitchFamily="18" charset="0"/>
+                      </a:endParaRPr>
+                    </a:p>
+                  </a:txBody>
+                  <a:tcPr marL="59535" marR="59535" marT="0" marB="0"/>
+                </a:tc>
+                <a:tc>
+                  <a:txBody>
+                    <a:bodyPr/>
+                    <a:lstStyle/>
+                    <a:p>
+                      <a:pPr marL="0" marR="0">
+                        <a:lnSpc>
+                          <a:spcPct val="115000"/>
+                        </a:lnSpc>
+                        <a:spcBef>
+                          <a:spcPts val="0"/>
+                        </a:spcBef>
+                        <a:spcAft>
+                          <a:spcPts val="0"/>
+                        </a:spcAft>
+                      </a:pPr>
+                      <a:r>
+                        <a:rPr lang="en-US" sz="1000">
+                          <a:effectLst/>
+                        </a:rPr>
+                        <a:t>N/A</a:t>
+                      </a:r>
+                      <a:endParaRPr lang="en-US" sz="1000">
+                        <a:effectLst/>
+                        <a:latin typeface="Calibri" panose="020F0502020204030204" pitchFamily="34" charset="0"/>
+                        <a:ea typeface="Calibri" panose="020F0502020204030204" pitchFamily="34" charset="0"/>
+                        <a:cs typeface="Times New Roman" panose="02020603050405020304" pitchFamily="18" charset="0"/>
+                      </a:endParaRPr>
+                    </a:p>
+                  </a:txBody>
+                  <a:tcPr marL="59535" marR="59535" marT="0" marB="0"/>
+                </a:tc>
+                <a:extLst>
+                  <a:ext uri="{0D108BD9-81ED-4DB2-BD59-A6C34878D82A}">
+                    <a16:rowId xmlns:a16="http://schemas.microsoft.com/office/drawing/2014/main" val="3500369758"/>
+                  </a:ext>
+                </a:extLst>
+              </a:tr>
+              <a:tr h="206821">
+                <a:tc>
+                  <a:txBody>
+                    <a:bodyPr/>
+                    <a:lstStyle/>
+                    <a:p>
+                      <a:pPr marL="0" marR="0">
+                        <a:lnSpc>
+                          <a:spcPct val="115000"/>
+                        </a:lnSpc>
+                        <a:spcBef>
+                          <a:spcPts val="0"/>
+                        </a:spcBef>
+                        <a:spcAft>
+                          <a:spcPts val="0"/>
+                        </a:spcAft>
+                      </a:pPr>
+                      <a:r>
+                        <a:rPr lang="en-US" sz="1000">
+                          <a:effectLst/>
+                        </a:rPr>
+                        <a:t>Generalization</a:t>
+                      </a:r>
+                      <a:endParaRPr lang="en-US" sz="1000">
+                        <a:effectLst/>
+                        <a:latin typeface="Calibri" panose="020F0502020204030204" pitchFamily="34" charset="0"/>
+                        <a:ea typeface="Calibri" panose="020F0502020204030204" pitchFamily="34" charset="0"/>
+                        <a:cs typeface="Times New Roman" panose="02020603050405020304" pitchFamily="18" charset="0"/>
+                      </a:endParaRPr>
+                    </a:p>
+                  </a:txBody>
+                  <a:tcPr marL="59535" marR="59535" marT="0" marB="0"/>
+                </a:tc>
+                <a:tc>
+                  <a:txBody>
+                    <a:bodyPr/>
+                    <a:lstStyle/>
+                    <a:p>
+                      <a:pPr marL="0" marR="0">
+                        <a:lnSpc>
+                          <a:spcPct val="115000"/>
+                        </a:lnSpc>
+                        <a:spcBef>
+                          <a:spcPts val="0"/>
+                        </a:spcBef>
+                        <a:spcAft>
+                          <a:spcPts val="0"/>
+                        </a:spcAft>
+                      </a:pPr>
+                      <a:r>
+                        <a:rPr lang="en-US" sz="1000">
+                          <a:effectLst/>
+                        </a:rPr>
+                        <a:t>N/A</a:t>
+                      </a:r>
+                      <a:endParaRPr lang="en-US" sz="1000">
+                        <a:effectLst/>
+                        <a:latin typeface="Calibri" panose="020F0502020204030204" pitchFamily="34" charset="0"/>
+                        <a:ea typeface="Calibri" panose="020F0502020204030204" pitchFamily="34" charset="0"/>
+                        <a:cs typeface="Times New Roman" panose="02020603050405020304" pitchFamily="18" charset="0"/>
+                      </a:endParaRPr>
+                    </a:p>
+                  </a:txBody>
+                  <a:tcPr marL="59535" marR="59535" marT="0" marB="0"/>
+                </a:tc>
+                <a:extLst>
+                  <a:ext uri="{0D108BD9-81ED-4DB2-BD59-A6C34878D82A}">
+                    <a16:rowId xmlns:a16="http://schemas.microsoft.com/office/drawing/2014/main" val="929079003"/>
+                  </a:ext>
+                </a:extLst>
+              </a:tr>
+              <a:tr h="206821">
+                <a:tc>
+                  <a:txBody>
+                    <a:bodyPr/>
+                    <a:lstStyle/>
+                    <a:p>
+                      <a:pPr marL="0" marR="0">
+                        <a:lnSpc>
+                          <a:spcPct val="115000"/>
+                        </a:lnSpc>
+                        <a:spcBef>
+                          <a:spcPts val="0"/>
+                        </a:spcBef>
+                        <a:spcAft>
+                          <a:spcPts val="0"/>
+                        </a:spcAft>
+                      </a:pPr>
+                      <a:r>
+                        <a:rPr lang="en-US" sz="1000">
+                          <a:effectLst/>
+                        </a:rPr>
+                        <a:t>Include</a:t>
+                      </a:r>
+                      <a:endParaRPr lang="en-US" sz="1000">
+                        <a:effectLst/>
+                        <a:latin typeface="Calibri" panose="020F0502020204030204" pitchFamily="34" charset="0"/>
+                        <a:ea typeface="Calibri" panose="020F0502020204030204" pitchFamily="34" charset="0"/>
+                        <a:cs typeface="Times New Roman" panose="02020603050405020304" pitchFamily="18" charset="0"/>
+                      </a:endParaRPr>
+                    </a:p>
+                  </a:txBody>
+                  <a:tcPr marL="59535" marR="59535" marT="0" marB="0"/>
+                </a:tc>
+                <a:tc>
+                  <a:txBody>
+                    <a:bodyPr/>
+                    <a:lstStyle/>
+                    <a:p>
+                      <a:pPr marL="0" marR="0">
+                        <a:lnSpc>
+                          <a:spcPct val="115000"/>
+                        </a:lnSpc>
+                        <a:spcBef>
+                          <a:spcPts val="0"/>
+                        </a:spcBef>
+                        <a:spcAft>
+                          <a:spcPts val="0"/>
+                        </a:spcAft>
+                      </a:pPr>
+                      <a:r>
+                        <a:rPr lang="en-US" sz="1000">
+                          <a:effectLst/>
+                        </a:rPr>
+                        <a:t>N/A</a:t>
+                      </a:r>
+                      <a:endParaRPr lang="en-US" sz="1000">
+                        <a:effectLst/>
+                        <a:latin typeface="Calibri" panose="020F0502020204030204" pitchFamily="34" charset="0"/>
+                        <a:ea typeface="Calibri" panose="020F0502020204030204" pitchFamily="34" charset="0"/>
+                        <a:cs typeface="Times New Roman" panose="02020603050405020304" pitchFamily="18" charset="0"/>
+                      </a:endParaRPr>
+                    </a:p>
+                  </a:txBody>
+                  <a:tcPr marL="59535" marR="59535" marT="0" marB="0"/>
+                </a:tc>
+                <a:extLst>
+                  <a:ext uri="{0D108BD9-81ED-4DB2-BD59-A6C34878D82A}">
+                    <a16:rowId xmlns:a16="http://schemas.microsoft.com/office/drawing/2014/main" val="1069120317"/>
+                  </a:ext>
+                </a:extLst>
+              </a:tr>
+              <a:tr h="206821">
+                <a:tc>
+                  <a:txBody>
+                    <a:bodyPr/>
+                    <a:lstStyle/>
+                    <a:p>
+                      <a:pPr marL="0" marR="0">
+                        <a:lnSpc>
+                          <a:spcPct val="115000"/>
+                        </a:lnSpc>
+                        <a:spcBef>
+                          <a:spcPts val="0"/>
+                        </a:spcBef>
+                        <a:spcAft>
+                          <a:spcPts val="0"/>
+                        </a:spcAft>
+                      </a:pPr>
+                      <a:r>
+                        <a:rPr lang="en-US" sz="1000">
+                          <a:effectLst/>
+                        </a:rPr>
+                        <a:t>Extend</a:t>
+                      </a:r>
+                      <a:endParaRPr lang="en-US" sz="1000">
+                        <a:effectLst/>
+                        <a:latin typeface="Calibri" panose="020F0502020204030204" pitchFamily="34" charset="0"/>
+                        <a:ea typeface="Calibri" panose="020F0502020204030204" pitchFamily="34" charset="0"/>
+                        <a:cs typeface="Times New Roman" panose="02020603050405020304" pitchFamily="18" charset="0"/>
+                      </a:endParaRPr>
+                    </a:p>
+                  </a:txBody>
+                  <a:tcPr marL="59535" marR="59535" marT="0" marB="0"/>
+                </a:tc>
+                <a:tc>
+                  <a:txBody>
+                    <a:bodyPr/>
+                    <a:lstStyle/>
+                    <a:p>
+                      <a:pPr marL="0" marR="0">
+                        <a:lnSpc>
+                          <a:spcPct val="115000"/>
+                        </a:lnSpc>
+                        <a:spcBef>
+                          <a:spcPts val="0"/>
+                        </a:spcBef>
+                        <a:spcAft>
+                          <a:spcPts val="0"/>
+                        </a:spcAft>
+                      </a:pPr>
+                      <a:r>
+                        <a:rPr lang="en-US" sz="1000">
+                          <a:effectLst/>
+                        </a:rPr>
+                        <a:t>N/A</a:t>
+                      </a:r>
+                      <a:endParaRPr lang="en-US" sz="1000">
+                        <a:effectLst/>
+                        <a:latin typeface="Calibri" panose="020F0502020204030204" pitchFamily="34" charset="0"/>
+                        <a:ea typeface="Calibri" panose="020F0502020204030204" pitchFamily="34" charset="0"/>
+                        <a:cs typeface="Times New Roman" panose="02020603050405020304" pitchFamily="18" charset="0"/>
+                      </a:endParaRPr>
+                    </a:p>
+                  </a:txBody>
+                  <a:tcPr marL="59535" marR="59535" marT="0" marB="0"/>
+                </a:tc>
+                <a:extLst>
+                  <a:ext uri="{0D108BD9-81ED-4DB2-BD59-A6C34878D82A}">
+                    <a16:rowId xmlns:a16="http://schemas.microsoft.com/office/drawing/2014/main" val="1199711473"/>
+                  </a:ext>
+                </a:extLst>
+              </a:tr>
+              <a:tr h="206821">
+                <a:tc>
+                  <a:txBody>
+                    <a:bodyPr/>
+                    <a:lstStyle/>
+                    <a:p>
+                      <a:pPr marL="0" marR="0">
+                        <a:lnSpc>
+                          <a:spcPct val="115000"/>
+                        </a:lnSpc>
+                        <a:spcBef>
+                          <a:spcPts val="0"/>
+                        </a:spcBef>
+                        <a:spcAft>
+                          <a:spcPts val="0"/>
+                        </a:spcAft>
+                      </a:pPr>
+                      <a:r>
+                        <a:rPr lang="en-US" sz="1000">
+                          <a:effectLst/>
+                        </a:rPr>
+                        <a:t>Precondition</a:t>
+                      </a:r>
+                      <a:endParaRPr lang="en-US" sz="1000">
+                        <a:effectLst/>
+                        <a:latin typeface="Calibri" panose="020F0502020204030204" pitchFamily="34" charset="0"/>
+                        <a:ea typeface="Calibri" panose="020F0502020204030204" pitchFamily="34" charset="0"/>
+                        <a:cs typeface="Times New Roman" panose="02020603050405020304" pitchFamily="18" charset="0"/>
+                      </a:endParaRPr>
+                    </a:p>
+                  </a:txBody>
+                  <a:tcPr marL="59535" marR="59535" marT="0" marB="0"/>
+                </a:tc>
+                <a:tc>
+                  <a:txBody>
+                    <a:bodyPr/>
+                    <a:lstStyle/>
+                    <a:p>
+                      <a:pPr marL="0" marR="0">
+                        <a:lnSpc>
+                          <a:spcPct val="115000"/>
+                        </a:lnSpc>
+                        <a:spcBef>
+                          <a:spcPts val="0"/>
+                        </a:spcBef>
+                        <a:spcAft>
+                          <a:spcPts val="0"/>
+                        </a:spcAft>
+                      </a:pPr>
+                      <a:r>
+                        <a:rPr lang="en-US" sz="1000">
+                          <a:effectLst/>
+                        </a:rPr>
+                        <a:t>N/A</a:t>
+                      </a:r>
+                      <a:endParaRPr lang="en-US" sz="1000">
+                        <a:effectLst/>
+                        <a:latin typeface="Calibri" panose="020F0502020204030204" pitchFamily="34" charset="0"/>
+                        <a:ea typeface="Calibri" panose="020F0502020204030204" pitchFamily="34" charset="0"/>
+                        <a:cs typeface="Times New Roman" panose="02020603050405020304" pitchFamily="18" charset="0"/>
+                      </a:endParaRPr>
+                    </a:p>
+                  </a:txBody>
+                  <a:tcPr marL="59535" marR="59535" marT="0" marB="0"/>
+                </a:tc>
+                <a:extLst>
+                  <a:ext uri="{0D108BD9-81ED-4DB2-BD59-A6C34878D82A}">
+                    <a16:rowId xmlns:a16="http://schemas.microsoft.com/office/drawing/2014/main" val="1269202642"/>
+                  </a:ext>
+                </a:extLst>
+              </a:tr>
+              <a:tr h="206821">
+                <a:tc>
+                  <a:txBody>
+                    <a:bodyPr/>
+                    <a:lstStyle/>
+                    <a:p>
+                      <a:pPr marL="0" marR="0">
+                        <a:lnSpc>
+                          <a:spcPct val="115000"/>
+                        </a:lnSpc>
+                        <a:spcBef>
+                          <a:spcPts val="0"/>
+                        </a:spcBef>
+                        <a:spcAft>
+                          <a:spcPts val="0"/>
+                        </a:spcAft>
+                      </a:pPr>
+                      <a:r>
+                        <a:rPr lang="en-US" sz="1000">
+                          <a:effectLst/>
+                        </a:rPr>
+                        <a:t>Trigger</a:t>
+                      </a:r>
+                      <a:endParaRPr lang="en-US" sz="1000">
+                        <a:effectLst/>
+                        <a:latin typeface="Calibri" panose="020F0502020204030204" pitchFamily="34" charset="0"/>
+                        <a:ea typeface="Calibri" panose="020F0502020204030204" pitchFamily="34" charset="0"/>
+                        <a:cs typeface="Times New Roman" panose="02020603050405020304" pitchFamily="18" charset="0"/>
+                      </a:endParaRPr>
+                    </a:p>
+                  </a:txBody>
+                  <a:tcPr marL="59535" marR="59535" marT="0" marB="0"/>
+                </a:tc>
+                <a:tc>
+                  <a:txBody>
+                    <a:bodyPr/>
+                    <a:lstStyle/>
+                    <a:p>
+                      <a:pPr marL="0" marR="0">
+                        <a:lnSpc>
+                          <a:spcPct val="115000"/>
+                        </a:lnSpc>
+                        <a:spcBef>
+                          <a:spcPts val="0"/>
+                        </a:spcBef>
+                        <a:spcAft>
+                          <a:spcPts val="0"/>
+                        </a:spcAft>
+                      </a:pPr>
+                      <a:r>
+                        <a:rPr lang="en-US" sz="1000">
+                          <a:effectLst/>
+                        </a:rPr>
+                        <a:t>N/A</a:t>
+                      </a:r>
+                      <a:endParaRPr lang="en-US" sz="1000">
+                        <a:effectLst/>
+                        <a:latin typeface="Calibri" panose="020F0502020204030204" pitchFamily="34" charset="0"/>
+                        <a:ea typeface="Calibri" panose="020F0502020204030204" pitchFamily="34" charset="0"/>
+                        <a:cs typeface="Times New Roman" panose="02020603050405020304" pitchFamily="18" charset="0"/>
+                      </a:endParaRPr>
+                    </a:p>
+                  </a:txBody>
+                  <a:tcPr marL="59535" marR="59535" marT="0" marB="0"/>
+                </a:tc>
+                <a:extLst>
+                  <a:ext uri="{0D108BD9-81ED-4DB2-BD59-A6C34878D82A}">
+                    <a16:rowId xmlns:a16="http://schemas.microsoft.com/office/drawing/2014/main" val="913012433"/>
+                  </a:ext>
+                </a:extLst>
+              </a:tr>
+              <a:tr h="1286800">
+                <a:tc>
+                  <a:txBody>
+                    <a:bodyPr/>
+                    <a:lstStyle/>
+                    <a:p>
+                      <a:pPr marL="0" marR="0">
+                        <a:lnSpc>
+                          <a:spcPct val="115000"/>
+                        </a:lnSpc>
+                        <a:spcBef>
+                          <a:spcPts val="0"/>
+                        </a:spcBef>
+                        <a:spcAft>
+                          <a:spcPts val="0"/>
+                        </a:spcAft>
+                      </a:pPr>
+                      <a:r>
+                        <a:rPr lang="en-US" sz="1000">
+                          <a:effectLst/>
+                        </a:rPr>
+                        <a:t>Normal Flow</a:t>
+                      </a:r>
+                      <a:endParaRPr lang="en-US" sz="1000">
+                        <a:effectLst/>
+                        <a:latin typeface="Calibri" panose="020F0502020204030204" pitchFamily="34" charset="0"/>
+                        <a:ea typeface="Calibri" panose="020F0502020204030204" pitchFamily="34" charset="0"/>
+                        <a:cs typeface="Times New Roman" panose="02020603050405020304" pitchFamily="18" charset="0"/>
+                      </a:endParaRPr>
+                    </a:p>
+                  </a:txBody>
+                  <a:tcPr marL="59535" marR="59535" marT="0" marB="0"/>
+                </a:tc>
+                <a:tc>
+                  <a:txBody>
+                    <a:bodyPr/>
+                    <a:lstStyle/>
+                    <a:p>
+                      <a:pPr marL="342900" marR="0" lvl="0" indent="-342900">
+                        <a:lnSpc>
+                          <a:spcPct val="115000"/>
+                        </a:lnSpc>
+                        <a:spcBef>
+                          <a:spcPts val="0"/>
+                        </a:spcBef>
+                        <a:spcAft>
+                          <a:spcPts val="0"/>
+                        </a:spcAft>
+                        <a:buFont typeface="+mj-lt"/>
+                        <a:buAutoNum type="arabicPeriod"/>
+                      </a:pPr>
+                      <a:r>
+                        <a:rPr lang="en-US" sz="1000" dirty="0">
+                          <a:effectLst/>
+                        </a:rPr>
+                        <a:t>System asks Admin to either manage sales associates or quotes</a:t>
+                      </a:r>
+                    </a:p>
+                    <a:p>
+                      <a:pPr marL="342900" marR="0" lvl="0" indent="-342900">
+                        <a:lnSpc>
+                          <a:spcPct val="115000"/>
+                        </a:lnSpc>
+                        <a:spcBef>
+                          <a:spcPts val="0"/>
+                        </a:spcBef>
+                        <a:spcAft>
+                          <a:spcPts val="0"/>
+                        </a:spcAft>
+                        <a:buFont typeface="+mj-lt"/>
+                        <a:buAutoNum type="arabicPeriod"/>
+                      </a:pPr>
+                      <a:r>
+                        <a:rPr lang="en-US" sz="1000" dirty="0">
+                          <a:effectLst/>
+                        </a:rPr>
+                        <a:t>Admin selects option</a:t>
+                      </a:r>
+                    </a:p>
+                    <a:p>
+                      <a:pPr marL="342900" marR="0" lvl="0" indent="-342900">
+                        <a:lnSpc>
+                          <a:spcPct val="115000"/>
+                        </a:lnSpc>
+                        <a:spcBef>
+                          <a:spcPts val="0"/>
+                        </a:spcBef>
+                        <a:spcAft>
+                          <a:spcPts val="0"/>
+                        </a:spcAft>
+                        <a:buFont typeface="+mj-lt"/>
+                        <a:buAutoNum type="arabicPeriod"/>
+                      </a:pPr>
+                      <a:r>
+                        <a:rPr lang="en-US" sz="1000" dirty="0">
+                          <a:effectLst/>
+                        </a:rPr>
+                        <a:t>System Displays a list of option for a search</a:t>
+                      </a:r>
+                    </a:p>
+                    <a:p>
+                      <a:pPr marL="342900" marR="0" lvl="0" indent="-342900">
+                        <a:lnSpc>
+                          <a:spcPct val="115000"/>
+                        </a:lnSpc>
+                        <a:spcBef>
+                          <a:spcPts val="0"/>
+                        </a:spcBef>
+                        <a:spcAft>
+                          <a:spcPts val="0"/>
+                        </a:spcAft>
+                        <a:buFont typeface="+mj-lt"/>
+                        <a:buAutoNum type="arabicPeriod"/>
+                      </a:pPr>
+                      <a:r>
+                        <a:rPr lang="en-US" sz="1000" dirty="0">
+                          <a:effectLst/>
+                        </a:rPr>
+                        <a:t>Admin enters search criteria</a:t>
+                      </a:r>
+                    </a:p>
+                    <a:p>
+                      <a:pPr marL="342900" marR="0" lvl="0" indent="-342900">
+                        <a:lnSpc>
+                          <a:spcPct val="115000"/>
+                        </a:lnSpc>
+                        <a:spcBef>
+                          <a:spcPts val="0"/>
+                        </a:spcBef>
+                        <a:spcAft>
+                          <a:spcPts val="0"/>
+                        </a:spcAft>
+                        <a:buFont typeface="+mj-lt"/>
+                        <a:buAutoNum type="arabicPeriod"/>
+                      </a:pPr>
+                      <a:r>
+                        <a:rPr lang="en-US" sz="1000" dirty="0">
+                          <a:effectLst/>
+                        </a:rPr>
+                        <a:t>System displays search option</a:t>
+                      </a:r>
+                    </a:p>
+                    <a:p>
+                      <a:pPr marL="342900" marR="0" lvl="0" indent="-342900">
+                        <a:lnSpc>
+                          <a:spcPct val="115000"/>
+                        </a:lnSpc>
+                        <a:spcBef>
+                          <a:spcPts val="0"/>
+                        </a:spcBef>
+                        <a:spcAft>
+                          <a:spcPts val="0"/>
+                        </a:spcAft>
+                        <a:buFont typeface="+mj-lt"/>
+                        <a:buAutoNum type="arabicPeriod"/>
+                      </a:pPr>
+                      <a:r>
+                        <a:rPr lang="en-US" sz="1000" dirty="0">
+                          <a:effectLst/>
+                        </a:rPr>
+                        <a:t>System displays quote</a:t>
+                      </a:r>
+                      <a:endParaRPr lang="en-US" sz="1000" dirty="0">
+                        <a:effectLst/>
+                        <a:latin typeface="Calibri" panose="020F0502020204030204" pitchFamily="34" charset="0"/>
+                        <a:ea typeface="Calibri" panose="020F0502020204030204" pitchFamily="34" charset="0"/>
+                        <a:cs typeface="Times New Roman" panose="02020603050405020304" pitchFamily="18" charset="0"/>
+                      </a:endParaRPr>
+                    </a:p>
+                  </a:txBody>
+                  <a:tcPr marL="59535" marR="59535" marT="0" marB="0"/>
+                </a:tc>
+                <a:extLst>
+                  <a:ext uri="{0D108BD9-81ED-4DB2-BD59-A6C34878D82A}">
+                    <a16:rowId xmlns:a16="http://schemas.microsoft.com/office/drawing/2014/main" val="4138605748"/>
+                  </a:ext>
+                </a:extLst>
+              </a:tr>
+              <a:tr h="206821">
+                <a:tc>
+                  <a:txBody>
+                    <a:bodyPr/>
+                    <a:lstStyle/>
+                    <a:p>
+                      <a:pPr marL="0" marR="0">
+                        <a:lnSpc>
+                          <a:spcPct val="115000"/>
+                        </a:lnSpc>
+                        <a:spcBef>
+                          <a:spcPts val="0"/>
+                        </a:spcBef>
+                        <a:spcAft>
+                          <a:spcPts val="0"/>
+                        </a:spcAft>
+                      </a:pPr>
+                      <a:r>
+                        <a:rPr lang="en-US" sz="1000">
+                          <a:effectLst/>
+                        </a:rPr>
+                        <a:t>Sub-Flows</a:t>
+                      </a:r>
+                      <a:endParaRPr lang="en-US" sz="1000">
+                        <a:effectLst/>
+                        <a:latin typeface="Calibri" panose="020F0502020204030204" pitchFamily="34" charset="0"/>
+                        <a:ea typeface="Calibri" panose="020F0502020204030204" pitchFamily="34" charset="0"/>
+                        <a:cs typeface="Times New Roman" panose="02020603050405020304" pitchFamily="18" charset="0"/>
+                      </a:endParaRPr>
+                    </a:p>
+                  </a:txBody>
+                  <a:tcPr marL="59535" marR="59535" marT="0" marB="0"/>
+                </a:tc>
+                <a:tc>
+                  <a:txBody>
+                    <a:bodyPr/>
+                    <a:lstStyle/>
+                    <a:p>
+                      <a:pPr marL="0" marR="0">
+                        <a:lnSpc>
+                          <a:spcPct val="115000"/>
+                        </a:lnSpc>
+                        <a:spcBef>
+                          <a:spcPts val="0"/>
+                        </a:spcBef>
+                        <a:spcAft>
+                          <a:spcPts val="0"/>
+                        </a:spcAft>
+                      </a:pPr>
+                      <a:r>
+                        <a:rPr lang="en-US" sz="1000">
+                          <a:effectLst/>
+                        </a:rPr>
+                        <a:t>See diagram</a:t>
+                      </a:r>
+                      <a:endParaRPr lang="en-US" sz="1000">
+                        <a:effectLst/>
+                        <a:latin typeface="Calibri" panose="020F0502020204030204" pitchFamily="34" charset="0"/>
+                        <a:ea typeface="Calibri" panose="020F0502020204030204" pitchFamily="34" charset="0"/>
+                        <a:cs typeface="Times New Roman" panose="02020603050405020304" pitchFamily="18" charset="0"/>
+                      </a:endParaRPr>
+                    </a:p>
+                  </a:txBody>
+                  <a:tcPr marL="59535" marR="59535" marT="0" marB="0"/>
+                </a:tc>
+                <a:extLst>
+                  <a:ext uri="{0D108BD9-81ED-4DB2-BD59-A6C34878D82A}">
+                    <a16:rowId xmlns:a16="http://schemas.microsoft.com/office/drawing/2014/main" val="505676558"/>
+                  </a:ext>
+                </a:extLst>
+              </a:tr>
+              <a:tr h="420458">
+                <a:tc>
+                  <a:txBody>
+                    <a:bodyPr/>
+                    <a:lstStyle/>
+                    <a:p>
+                      <a:pPr marL="0" marR="0">
+                        <a:lnSpc>
+                          <a:spcPct val="115000"/>
+                        </a:lnSpc>
+                        <a:spcBef>
+                          <a:spcPts val="0"/>
+                        </a:spcBef>
+                        <a:spcAft>
+                          <a:spcPts val="0"/>
+                        </a:spcAft>
+                      </a:pPr>
+                      <a:r>
+                        <a:rPr lang="en-US" sz="1000">
+                          <a:effectLst/>
+                        </a:rPr>
+                        <a:t>Alternate Flow/Exceptions</a:t>
+                      </a:r>
+                      <a:endParaRPr lang="en-US" sz="1000">
+                        <a:effectLst/>
+                        <a:latin typeface="Calibri" panose="020F0502020204030204" pitchFamily="34" charset="0"/>
+                        <a:ea typeface="Calibri" panose="020F0502020204030204" pitchFamily="34" charset="0"/>
+                        <a:cs typeface="Times New Roman" panose="02020603050405020304" pitchFamily="18" charset="0"/>
+                      </a:endParaRPr>
+                    </a:p>
+                  </a:txBody>
+                  <a:tcPr marL="59535" marR="59535" marT="0" marB="0"/>
+                </a:tc>
+                <a:tc>
+                  <a:txBody>
+                    <a:bodyPr/>
+                    <a:lstStyle/>
+                    <a:p>
+                      <a:pPr marL="0" marR="0">
+                        <a:lnSpc>
+                          <a:spcPct val="115000"/>
+                        </a:lnSpc>
+                        <a:spcBef>
+                          <a:spcPts val="0"/>
+                        </a:spcBef>
+                        <a:spcAft>
+                          <a:spcPts val="0"/>
+                        </a:spcAft>
+                      </a:pPr>
+                      <a:r>
+                        <a:rPr lang="en-US" sz="1000">
+                          <a:effectLst/>
+                        </a:rPr>
+                        <a:t>See diagram</a:t>
+                      </a:r>
+                      <a:endParaRPr lang="en-US" sz="1000">
+                        <a:effectLst/>
+                        <a:latin typeface="Calibri" panose="020F0502020204030204" pitchFamily="34" charset="0"/>
+                        <a:ea typeface="Calibri" panose="020F0502020204030204" pitchFamily="34" charset="0"/>
+                        <a:cs typeface="Times New Roman" panose="02020603050405020304" pitchFamily="18" charset="0"/>
+                      </a:endParaRPr>
+                    </a:p>
+                  </a:txBody>
+                  <a:tcPr marL="59535" marR="59535" marT="0" marB="0"/>
+                </a:tc>
+                <a:extLst>
+                  <a:ext uri="{0D108BD9-81ED-4DB2-BD59-A6C34878D82A}">
+                    <a16:rowId xmlns:a16="http://schemas.microsoft.com/office/drawing/2014/main" val="3143798451"/>
+                  </a:ext>
+                </a:extLst>
+              </a:tr>
+              <a:tr h="206821">
+                <a:tc>
+                  <a:txBody>
+                    <a:bodyPr/>
+                    <a:lstStyle/>
+                    <a:p>
+                      <a:pPr marL="0" marR="0">
+                        <a:lnSpc>
+                          <a:spcPct val="115000"/>
+                        </a:lnSpc>
+                        <a:spcBef>
+                          <a:spcPts val="0"/>
+                        </a:spcBef>
+                        <a:spcAft>
+                          <a:spcPts val="0"/>
+                        </a:spcAft>
+                      </a:pPr>
+                      <a:r>
+                        <a:rPr lang="en-US" sz="1000">
+                          <a:effectLst/>
+                        </a:rPr>
+                        <a:t>Postcondition</a:t>
+                      </a:r>
+                      <a:endParaRPr lang="en-US" sz="1000">
+                        <a:effectLst/>
+                        <a:latin typeface="Calibri" panose="020F0502020204030204" pitchFamily="34" charset="0"/>
+                        <a:ea typeface="Calibri" panose="020F0502020204030204" pitchFamily="34" charset="0"/>
+                        <a:cs typeface="Times New Roman" panose="02020603050405020304" pitchFamily="18" charset="0"/>
+                      </a:endParaRPr>
+                    </a:p>
+                  </a:txBody>
+                  <a:tcPr marL="59535" marR="59535" marT="0" marB="0"/>
+                </a:tc>
+                <a:tc>
+                  <a:txBody>
+                    <a:bodyPr/>
+                    <a:lstStyle/>
+                    <a:p>
+                      <a:pPr marL="0" marR="0">
+                        <a:lnSpc>
+                          <a:spcPct val="115000"/>
+                        </a:lnSpc>
+                        <a:spcBef>
+                          <a:spcPts val="0"/>
+                        </a:spcBef>
+                        <a:spcAft>
+                          <a:spcPts val="0"/>
+                        </a:spcAft>
+                      </a:pPr>
+                      <a:r>
+                        <a:rPr lang="en-US" sz="1000">
+                          <a:effectLst/>
+                        </a:rPr>
+                        <a:t>Updated Records</a:t>
+                      </a:r>
+                      <a:endParaRPr lang="en-US" sz="1000">
+                        <a:effectLst/>
+                        <a:latin typeface="Calibri" panose="020F0502020204030204" pitchFamily="34" charset="0"/>
+                        <a:ea typeface="Calibri" panose="020F0502020204030204" pitchFamily="34" charset="0"/>
+                        <a:cs typeface="Times New Roman" panose="02020603050405020304" pitchFamily="18" charset="0"/>
+                      </a:endParaRPr>
+                    </a:p>
+                  </a:txBody>
+                  <a:tcPr marL="59535" marR="59535" marT="0" marB="0"/>
+                </a:tc>
+                <a:extLst>
+                  <a:ext uri="{0D108BD9-81ED-4DB2-BD59-A6C34878D82A}">
+                    <a16:rowId xmlns:a16="http://schemas.microsoft.com/office/drawing/2014/main" val="782353603"/>
+                  </a:ext>
+                </a:extLst>
+              </a:tr>
+              <a:tr h="206821">
+                <a:tc>
+                  <a:txBody>
+                    <a:bodyPr/>
+                    <a:lstStyle/>
+                    <a:p>
+                      <a:pPr marL="0" marR="0">
+                        <a:lnSpc>
+                          <a:spcPct val="115000"/>
+                        </a:lnSpc>
+                        <a:spcBef>
+                          <a:spcPts val="0"/>
+                        </a:spcBef>
+                        <a:spcAft>
+                          <a:spcPts val="0"/>
+                        </a:spcAft>
+                      </a:pPr>
+                      <a:r>
+                        <a:rPr lang="en-US" sz="1000">
+                          <a:effectLst/>
+                        </a:rPr>
+                        <a:t>Open Issues</a:t>
+                      </a:r>
+                      <a:endParaRPr lang="en-US" sz="1000">
+                        <a:effectLst/>
+                        <a:latin typeface="Calibri" panose="020F0502020204030204" pitchFamily="34" charset="0"/>
+                        <a:ea typeface="Calibri" panose="020F0502020204030204" pitchFamily="34" charset="0"/>
+                        <a:cs typeface="Times New Roman" panose="02020603050405020304" pitchFamily="18" charset="0"/>
+                      </a:endParaRPr>
+                    </a:p>
+                  </a:txBody>
+                  <a:tcPr marL="59535" marR="59535" marT="0" marB="0"/>
+                </a:tc>
+                <a:tc>
+                  <a:txBody>
+                    <a:bodyPr/>
+                    <a:lstStyle/>
+                    <a:p>
+                      <a:pPr marL="0" marR="0">
+                        <a:lnSpc>
+                          <a:spcPct val="115000"/>
+                        </a:lnSpc>
+                        <a:spcBef>
+                          <a:spcPts val="0"/>
+                        </a:spcBef>
+                        <a:spcAft>
+                          <a:spcPts val="0"/>
+                        </a:spcAft>
+                      </a:pPr>
+                      <a:r>
+                        <a:rPr lang="en-US" sz="1000">
+                          <a:effectLst/>
+                        </a:rPr>
+                        <a:t> </a:t>
+                      </a:r>
+                      <a:endParaRPr lang="en-US" sz="1000">
+                        <a:effectLst/>
+                        <a:latin typeface="Calibri" panose="020F0502020204030204" pitchFamily="34" charset="0"/>
+                        <a:ea typeface="Calibri" panose="020F0502020204030204" pitchFamily="34" charset="0"/>
+                        <a:cs typeface="Times New Roman" panose="02020603050405020304" pitchFamily="18" charset="0"/>
+                      </a:endParaRPr>
+                    </a:p>
+                  </a:txBody>
+                  <a:tcPr marL="59535" marR="59535" marT="0" marB="0"/>
+                </a:tc>
+                <a:extLst>
+                  <a:ext uri="{0D108BD9-81ED-4DB2-BD59-A6C34878D82A}">
+                    <a16:rowId xmlns:a16="http://schemas.microsoft.com/office/drawing/2014/main" val="1133085340"/>
+                  </a:ext>
+                </a:extLst>
+              </a:tr>
+              <a:tr h="206821">
+                <a:tc>
+                  <a:txBody>
+                    <a:bodyPr/>
+                    <a:lstStyle/>
+                    <a:p>
+                      <a:pPr marL="0" marR="0">
+                        <a:lnSpc>
+                          <a:spcPct val="115000"/>
+                        </a:lnSpc>
+                        <a:spcBef>
+                          <a:spcPts val="0"/>
+                        </a:spcBef>
+                        <a:spcAft>
+                          <a:spcPts val="0"/>
+                        </a:spcAft>
+                      </a:pPr>
+                      <a:r>
+                        <a:rPr lang="en-US" sz="1000">
+                          <a:effectLst/>
+                        </a:rPr>
+                        <a:t>Source</a:t>
+                      </a:r>
+                      <a:endParaRPr lang="en-US" sz="1000">
+                        <a:effectLst/>
+                        <a:latin typeface="Calibri" panose="020F0502020204030204" pitchFamily="34" charset="0"/>
+                        <a:ea typeface="Calibri" panose="020F0502020204030204" pitchFamily="34" charset="0"/>
+                        <a:cs typeface="Times New Roman" panose="02020603050405020304" pitchFamily="18" charset="0"/>
+                      </a:endParaRPr>
+                    </a:p>
+                  </a:txBody>
+                  <a:tcPr marL="59535" marR="59535" marT="0" marB="0"/>
+                </a:tc>
+                <a:tc>
+                  <a:txBody>
+                    <a:bodyPr/>
+                    <a:lstStyle/>
+                    <a:p>
+                      <a:pPr marL="0" marR="0">
+                        <a:lnSpc>
+                          <a:spcPct val="115000"/>
+                        </a:lnSpc>
+                        <a:spcBef>
+                          <a:spcPts val="0"/>
+                        </a:spcBef>
+                        <a:spcAft>
+                          <a:spcPts val="0"/>
+                        </a:spcAft>
+                      </a:pPr>
+                      <a:r>
+                        <a:rPr lang="en-US" sz="1000">
+                          <a:effectLst/>
+                        </a:rPr>
+                        <a:t>Problem Statement</a:t>
+                      </a:r>
+                      <a:endParaRPr lang="en-US" sz="1000">
+                        <a:effectLst/>
+                        <a:latin typeface="Calibri" panose="020F0502020204030204" pitchFamily="34" charset="0"/>
+                        <a:ea typeface="Calibri" panose="020F0502020204030204" pitchFamily="34" charset="0"/>
+                        <a:cs typeface="Times New Roman" panose="02020603050405020304" pitchFamily="18" charset="0"/>
+                      </a:endParaRPr>
+                    </a:p>
+                  </a:txBody>
+                  <a:tcPr marL="59535" marR="59535" marT="0" marB="0"/>
+                </a:tc>
+                <a:extLst>
+                  <a:ext uri="{0D108BD9-81ED-4DB2-BD59-A6C34878D82A}">
+                    <a16:rowId xmlns:a16="http://schemas.microsoft.com/office/drawing/2014/main" val="3331398895"/>
+                  </a:ext>
+                </a:extLst>
+              </a:tr>
+              <a:tr h="206821">
+                <a:tc>
+                  <a:txBody>
+                    <a:bodyPr/>
+                    <a:lstStyle/>
+                    <a:p>
+                      <a:pPr marL="0" marR="0">
+                        <a:lnSpc>
+                          <a:spcPct val="115000"/>
+                        </a:lnSpc>
+                        <a:spcBef>
+                          <a:spcPts val="0"/>
+                        </a:spcBef>
+                        <a:spcAft>
+                          <a:spcPts val="0"/>
+                        </a:spcAft>
+                      </a:pPr>
+                      <a:r>
+                        <a:rPr lang="en-US" sz="1000">
+                          <a:effectLst/>
+                        </a:rPr>
+                        <a:t>Author</a:t>
+                      </a:r>
+                      <a:endParaRPr lang="en-US" sz="1000">
+                        <a:effectLst/>
+                        <a:latin typeface="Calibri" panose="020F0502020204030204" pitchFamily="34" charset="0"/>
+                        <a:ea typeface="Calibri" panose="020F0502020204030204" pitchFamily="34" charset="0"/>
+                        <a:cs typeface="Times New Roman" panose="02020603050405020304" pitchFamily="18" charset="0"/>
+                      </a:endParaRPr>
+                    </a:p>
+                  </a:txBody>
+                  <a:tcPr marL="59535" marR="59535" marT="0" marB="0"/>
+                </a:tc>
+                <a:tc>
+                  <a:txBody>
+                    <a:bodyPr/>
+                    <a:lstStyle/>
+                    <a:p>
+                      <a:pPr marL="0" marR="0">
+                        <a:lnSpc>
+                          <a:spcPct val="115000"/>
+                        </a:lnSpc>
+                        <a:spcBef>
+                          <a:spcPts val="0"/>
+                        </a:spcBef>
+                        <a:spcAft>
+                          <a:spcPts val="0"/>
+                        </a:spcAft>
+                      </a:pPr>
+                      <a:r>
+                        <a:rPr lang="en-US" sz="1000" dirty="0">
+                          <a:effectLst/>
+                        </a:rPr>
+                        <a:t>Conrad Yoder</a:t>
+                      </a:r>
+                      <a:endParaRPr lang="en-US" sz="1000" dirty="0">
+                        <a:effectLst/>
+                        <a:latin typeface="Calibri" panose="020F0502020204030204" pitchFamily="34" charset="0"/>
+                        <a:ea typeface="Calibri" panose="020F0502020204030204" pitchFamily="34" charset="0"/>
+                        <a:cs typeface="Times New Roman" panose="02020603050405020304" pitchFamily="18" charset="0"/>
+                      </a:endParaRPr>
+                    </a:p>
+                  </a:txBody>
+                  <a:tcPr marL="59535" marR="59535" marT="0" marB="0"/>
+                </a:tc>
+                <a:extLst>
+                  <a:ext uri="{0D108BD9-81ED-4DB2-BD59-A6C34878D82A}">
+                    <a16:rowId xmlns:a16="http://schemas.microsoft.com/office/drawing/2014/main" val="787486777"/>
+                  </a:ext>
+                </a:extLst>
+              </a:tr>
+              <a:tr h="206821">
+                <a:tc>
+                  <a:txBody>
+                    <a:bodyPr/>
+                    <a:lstStyle/>
+                    <a:p>
+                      <a:pPr marL="0" marR="0">
+                        <a:lnSpc>
+                          <a:spcPct val="115000"/>
+                        </a:lnSpc>
+                        <a:spcBef>
+                          <a:spcPts val="0"/>
+                        </a:spcBef>
+                        <a:spcAft>
+                          <a:spcPts val="0"/>
+                        </a:spcAft>
+                      </a:pPr>
+                      <a:r>
+                        <a:rPr lang="en-US" sz="1000">
+                          <a:effectLst/>
+                        </a:rPr>
+                        <a:t>Revision and Date</a:t>
+                      </a:r>
+                      <a:endParaRPr lang="en-US" sz="1000">
+                        <a:effectLst/>
+                        <a:latin typeface="Calibri" panose="020F0502020204030204" pitchFamily="34" charset="0"/>
+                        <a:ea typeface="Calibri" panose="020F0502020204030204" pitchFamily="34" charset="0"/>
+                        <a:cs typeface="Times New Roman" panose="02020603050405020304" pitchFamily="18" charset="0"/>
+                      </a:endParaRPr>
+                    </a:p>
+                  </a:txBody>
+                  <a:tcPr marL="59535" marR="59535" marT="0" marB="0"/>
+                </a:tc>
+                <a:tc>
+                  <a:txBody>
+                    <a:bodyPr/>
+                    <a:lstStyle/>
+                    <a:p>
+                      <a:pPr marL="0" marR="0">
+                        <a:lnSpc>
+                          <a:spcPct val="115000"/>
+                        </a:lnSpc>
+                        <a:spcBef>
+                          <a:spcPts val="0"/>
+                        </a:spcBef>
+                        <a:spcAft>
+                          <a:spcPts val="0"/>
+                        </a:spcAft>
+                      </a:pPr>
+                      <a:r>
+                        <a:rPr lang="en-US" sz="1000" dirty="0">
+                          <a:effectLst/>
+                        </a:rPr>
+                        <a:t>Version 3 7/11/2017</a:t>
+                      </a:r>
+                      <a:endParaRPr lang="en-US" sz="1000" dirty="0">
+                        <a:effectLst/>
+                        <a:latin typeface="Calibri" panose="020F0502020204030204" pitchFamily="34" charset="0"/>
+                        <a:ea typeface="Calibri" panose="020F0502020204030204" pitchFamily="34" charset="0"/>
+                        <a:cs typeface="Times New Roman" panose="02020603050405020304" pitchFamily="18" charset="0"/>
+                      </a:endParaRPr>
+                    </a:p>
+                  </a:txBody>
+                  <a:tcPr marL="59535" marR="59535" marT="0" marB="0"/>
+                </a:tc>
+                <a:extLst>
+                  <a:ext uri="{0D108BD9-81ED-4DB2-BD59-A6C34878D82A}">
+                    <a16:rowId xmlns:a16="http://schemas.microsoft.com/office/drawing/2014/main" val="4203774328"/>
+                  </a:ext>
+                </a:extLst>
+              </a:tr>
+            </a:tbl>
+          </a:graphicData>
+        </a:graphic>
+      </p:graphicFrame>
     </p:spTree>
     <p:extLst>
       <p:ext uri="{BB962C8B-B14F-4D97-AF65-F5344CB8AC3E}">
@@ -8391,12 +8307,41 @@
           </a:p>
         </p:txBody>
       </p:sp>
+      <p:sp>
+        <p:nvSpPr>
+          <p:cNvPr id="3" name="Slide Number Placeholder 2">
+            <a:extLst>
+              <a:ext uri="{FF2B5EF4-FFF2-40B4-BE49-F238E27FC236}">
+                <a16:creationId xmlns:a16="http://schemas.microsoft.com/office/drawing/2014/main" id="{95646EE5-CF5C-4700-84AF-58BF603CEF4C}"/>
+              </a:ext>
+            </a:extLst>
+          </p:cNvPr>
+          <p:cNvSpPr>
+            <a:spLocks noGrp="1"/>
+          </p:cNvSpPr>
+          <p:nvPr>
+            <p:ph type="sldNum" sz="quarter" idx="12"/>
+          </p:nvPr>
+        </p:nvSpPr>
+        <p:spPr/>
+        <p:txBody>
+          <a:bodyPr/>
+          <a:lstStyle/>
+          <a:p>
+            <a:fld id="{A793387B-8BEA-41FE-BEC6-9E95D20CE909}" type="slidenum">
+              <a:rPr lang="en-US" smtClean="0"/>
+              <a:t>15</a:t>
+            </a:fld>
+            <a:endParaRPr lang="en-US"/>
+          </a:p>
+        </p:txBody>
+      </p:sp>
       <p:pic>
         <p:nvPicPr>
-          <p:cNvPr id="7" name="Content Placeholder 6">
+          <p:cNvPr id="8" name="Content Placeholder 7">
             <a:extLst>
               <a:ext uri="{FF2B5EF4-FFF2-40B4-BE49-F238E27FC236}">
-                <a16:creationId xmlns:a16="http://schemas.microsoft.com/office/drawing/2014/main" id="{6DB9E747-1DEA-43CD-A672-DB62D5F7A4E4}"/>
+                <a16:creationId xmlns:a16="http://schemas.microsoft.com/office/drawing/2014/main" id="{45E33CCE-0617-465A-AE39-0B4C617B4116}"/>
               </a:ext>
             </a:extLst>
           </p:cNvPr>
@@ -8421,40 +8366,11 @@
         </p:blipFill>
         <p:spPr>
           <a:xfrm>
-            <a:off x="270817" y="453237"/>
-            <a:ext cx="11921183" cy="6143506"/>
+            <a:off x="755822" y="576652"/>
+            <a:ext cx="10412921" cy="5779698"/>
           </a:xfrm>
         </p:spPr>
       </p:pic>
-      <p:sp>
-        <p:nvSpPr>
-          <p:cNvPr id="3" name="Slide Number Placeholder 2">
-            <a:extLst>
-              <a:ext uri="{FF2B5EF4-FFF2-40B4-BE49-F238E27FC236}">
-                <a16:creationId xmlns:a16="http://schemas.microsoft.com/office/drawing/2014/main" id="{95646EE5-CF5C-4700-84AF-58BF603CEF4C}"/>
-              </a:ext>
-            </a:extLst>
-          </p:cNvPr>
-          <p:cNvSpPr>
-            <a:spLocks noGrp="1"/>
-          </p:cNvSpPr>
-          <p:nvPr>
-            <p:ph type="sldNum" sz="quarter" idx="12"/>
-          </p:nvPr>
-        </p:nvSpPr>
-        <p:spPr/>
-        <p:txBody>
-          <a:bodyPr/>
-          <a:lstStyle/>
-          <a:p>
-            <a:fld id="{A793387B-8BEA-41FE-BEC6-9E95D20CE909}" type="slidenum">
-              <a:rPr lang="en-US" smtClean="0"/>
-              <a:t>15</a:t>
-            </a:fld>
-            <a:endParaRPr lang="en-US"/>
-          </a:p>
-        </p:txBody>
-      </p:sp>
     </p:spTree>
     <p:extLst>
       <p:ext uri="{BB962C8B-B14F-4D97-AF65-F5344CB8AC3E}">
